--- a/데이터과학1.pptx
+++ b/데이터과학1.pptx
@@ -3731,7 +3731,7 @@
         </p:nvSpPr>
         <p:spPr>
           <a:xfrm>
-            <a:off x="3275856" y="4211459"/>
+            <a:off x="3270582" y="4447503"/>
             <a:ext cx="2756332" cy="400110"/>
           </a:xfrm>
           <a:prstGeom prst="rect">
@@ -3760,49 +3760,6 @@
             <a:endParaRPr lang="ko-KR" altLang="en-US" sz="2000" b="1" dirty="0">
               <a:latin typeface="맑은 고딕 (본문)"/>
             </a:endParaRPr>
-          </a:p>
-        </p:txBody>
-      </p:sp>
-      <p:sp>
-        <p:nvSpPr>
-          <p:cNvPr id="7" name="TextBox 6">
-            <a:extLst>
-              <a:ext uri="{FF2B5EF4-FFF2-40B4-BE49-F238E27FC236}">
-                <a16:creationId xmlns:a16="http://schemas.microsoft.com/office/drawing/2014/main" id="{145ED0FA-6D2F-4720-AE97-D19E9253AFCA}"/>
-              </a:ext>
-            </a:extLst>
-          </p:cNvPr>
-          <p:cNvSpPr txBox="1"/>
-          <p:nvPr/>
-        </p:nvSpPr>
-        <p:spPr>
-          <a:xfrm>
-            <a:off x="3275856" y="4585562"/>
-            <a:ext cx="2499852" cy="400110"/>
-          </a:xfrm>
-          <a:prstGeom prst="rect">
-            <a:avLst/>
-          </a:prstGeom>
-          <a:noFill/>
-        </p:spPr>
-        <p:txBody>
-          <a:bodyPr wrap="none" rtlCol="0">
-            <a:spAutoFit/>
-          </a:bodyPr>
-          <a:lstStyle/>
-          <a:p>
-            <a:r>
-              <a:rPr lang="en-US" altLang="ko-KR" sz="2000" b="1" dirty="0">
-                <a:latin typeface="맑은 고딕 (본문)"/>
-              </a:rPr>
-              <a:t>Computer Sci. </a:t>
-            </a:r>
-            <a:r>
-              <a:rPr lang="ko-KR" altLang="en-US" sz="2000" b="1" dirty="0">
-                <a:latin typeface="맑은 고딕 (본문)"/>
-              </a:rPr>
-              <a:t>창준</a:t>
-            </a:r>
           </a:p>
         </p:txBody>
       </p:sp>
@@ -3820,7 +3777,7 @@
         </p:nvSpPr>
         <p:spPr>
           <a:xfrm>
-            <a:off x="3275856" y="4933428"/>
+            <a:off x="3270582" y="4825052"/>
             <a:ext cx="2756332" cy="400110"/>
           </a:xfrm>
           <a:prstGeom prst="rect">
@@ -4237,7 +4194,7 @@
         </p:nvSpPr>
         <p:spPr>
           <a:xfrm>
-            <a:off x="2627784" y="3943122"/>
+            <a:off x="2627784" y="4017581"/>
             <a:ext cx="3888432" cy="338554"/>
           </a:xfrm>
           <a:prstGeom prst="rect">
@@ -4403,7 +4360,7 @@
         </p:nvSpPr>
         <p:spPr>
           <a:xfrm>
-            <a:off x="2607461" y="3969184"/>
+            <a:off x="2604924" y="3999004"/>
             <a:ext cx="3888432" cy="338554"/>
           </a:xfrm>
           <a:prstGeom prst="rect">
@@ -4572,7 +4529,7 @@
         </p:nvSpPr>
         <p:spPr>
           <a:xfrm>
-            <a:off x="2617084" y="3964732"/>
+            <a:off x="2550449" y="3964836"/>
             <a:ext cx="3888432" cy="338554"/>
           </a:xfrm>
           <a:prstGeom prst="rect">
@@ -4599,7 +4556,7 @@
                 <a:latin typeface="나눔손글씨 펜" pitchFamily="66" charset="-127"/>
                 <a:ea typeface="나눔손글씨 펜" pitchFamily="66" charset="-127"/>
               </a:rPr>
-              <a:t>3-4</a:t>
+              <a:t>Saving model by pickle</a:t>
             </a:r>
           </a:p>
         </p:txBody>
@@ -4932,7 +4889,7 @@
         </p:nvSpPr>
         <p:spPr>
           <a:xfrm>
-            <a:off x="1734663" y="2075270"/>
+            <a:off x="1746250" y="2113977"/>
             <a:ext cx="5627324" cy="338554"/>
           </a:xfrm>
           <a:prstGeom prst="rect">
@@ -4959,7 +4916,7 @@
                 <a:latin typeface="나눔손글씨 펜" pitchFamily="66" charset="-127"/>
                 <a:ea typeface="나눔손글씨 펜" pitchFamily="66" charset="-127"/>
               </a:rPr>
-              <a:t>3-1</a:t>
+              <a:t>Subset during preprocess</a:t>
             </a:r>
           </a:p>
         </p:txBody>
@@ -4972,7 +4929,7 @@
         </p:nvSpPr>
         <p:spPr>
           <a:xfrm>
-            <a:off x="1722334" y="2104783"/>
+            <a:off x="1635974" y="2156031"/>
             <a:ext cx="5627324" cy="338554"/>
           </a:xfrm>
           <a:prstGeom prst="rect">
@@ -5176,8 +5133,8 @@
           <a:p>
             <a:pPr algn="ctr"/>
             <a:r>
-              <a:rPr lang="en-US" altLang="ko-KR" sz="1600" dirty="0" err="1"/>
-              <a:t>Softmax</a:t>
+              <a:rPr lang="en-US" altLang="ko-KR" sz="1600" dirty="0"/>
+              <a:t>feature</a:t>
             </a:r>
             <a:endParaRPr lang="ko-KR" altLang="en-US" sz="1600" dirty="0"/>
           </a:p>
@@ -5940,7 +5897,7 @@
         </p:nvSpPr>
         <p:spPr>
           <a:xfrm>
-            <a:off x="1607649" y="2728783"/>
+            <a:off x="1574113" y="2682709"/>
             <a:ext cx="5976664" cy="338554"/>
           </a:xfrm>
           <a:prstGeom prst="rect">
@@ -6050,7 +6007,7 @@
                 <a:latin typeface="나눔손글씨 펜" pitchFamily="66" charset="-127"/>
                 <a:ea typeface="나눔손글씨 펜" pitchFamily="66" charset="-127"/>
               </a:rPr>
-              <a:t>3-3</a:t>
+              <a:t>Dimension = 64</a:t>
             </a:r>
           </a:p>
         </p:txBody>
@@ -6090,7 +6047,7 @@
                 <a:latin typeface="나눔손글씨 펜" pitchFamily="66" charset="-127"/>
                 <a:ea typeface="나눔손글씨 펜" pitchFamily="66" charset="-127"/>
               </a:rPr>
-              <a:t>3-5</a:t>
+              <a:t>Apply learning decay</a:t>
             </a:r>
           </a:p>
         </p:txBody>
@@ -6173,7 +6130,7 @@
                 <a:latin typeface="나눔손글씨 펜" pitchFamily="66" charset="-127"/>
                 <a:ea typeface="나눔손글씨 펜" pitchFamily="66" charset="-127"/>
               </a:rPr>
-              <a:t>3-2</a:t>
+              <a:t>Optimizer = SGD</a:t>
             </a:r>
           </a:p>
         </p:txBody>
@@ -6223,96 +6180,13 @@
       </p:sp>
       <p:sp>
         <p:nvSpPr>
-          <p:cNvPr id="126" name="TextBox 125"/>
-          <p:cNvSpPr txBox="1"/>
-          <p:nvPr/>
-        </p:nvSpPr>
-        <p:spPr>
-          <a:xfrm>
-            <a:off x="1619672" y="5239266"/>
-            <a:ext cx="6192688" cy="338554"/>
-          </a:xfrm>
-          <a:prstGeom prst="rect">
-            <a:avLst/>
-          </a:prstGeom>
-          <a:noFill/>
-        </p:spPr>
-        <p:txBody>
-          <a:bodyPr wrap="square" rtlCol="0">
-            <a:spAutoFit/>
-          </a:bodyPr>
-          <a:lstStyle/>
-          <a:p>
-            <a:pPr algn="ctr"/>
-            <a:r>
-              <a:rPr lang="en-US" altLang="ko-KR" sz="1600" dirty="0">
-                <a:ln>
-                  <a:solidFill>
-                    <a:prstClr val="white">
-                      <a:alpha val="5000"/>
-                    </a:prstClr>
-                  </a:solidFill>
-                </a:ln>
-                <a:latin typeface="나눔손글씨 펜" pitchFamily="66" charset="-127"/>
-                <a:ea typeface="나눔손글씨 펜" pitchFamily="66" charset="-127"/>
-              </a:rPr>
-              <a:t>3-6</a:t>
-            </a:r>
-          </a:p>
-        </p:txBody>
-      </p:sp>
-      <p:sp>
-        <p:nvSpPr>
-          <p:cNvPr id="127" name="직사각형 126"/>
-          <p:cNvSpPr/>
-          <p:nvPr/>
-        </p:nvSpPr>
-        <p:spPr>
-          <a:xfrm>
-            <a:off x="2654073" y="5236815"/>
-            <a:ext cx="45719" cy="352425"/>
-          </a:xfrm>
-          <a:prstGeom prst="rect">
-            <a:avLst/>
-          </a:prstGeom>
-          <a:ln>
-            <a:noFill/>
-          </a:ln>
-        </p:spPr>
-        <p:style>
-          <a:lnRef idx="2">
-            <a:schemeClr val="accent1">
-              <a:shade val="50000"/>
-            </a:schemeClr>
-          </a:lnRef>
-          <a:fillRef idx="1">
-            <a:schemeClr val="accent1"/>
-          </a:fillRef>
-          <a:effectRef idx="0">
-            <a:schemeClr val="accent1"/>
-          </a:effectRef>
-          <a:fontRef idx="minor">
-            <a:schemeClr val="lt1"/>
-          </a:fontRef>
-        </p:style>
-        <p:txBody>
-          <a:bodyPr rtlCol="0" anchor="ctr"/>
-          <a:lstStyle/>
-          <a:p>
-            <a:pPr algn="ctr"/>
-            <a:endParaRPr lang="ko-KR" altLang="en-US"/>
-          </a:p>
-        </p:txBody>
-      </p:sp>
-      <p:sp>
-        <p:nvSpPr>
           <p:cNvPr id="130" name="TextBox 129"/>
           <p:cNvSpPr txBox="1"/>
           <p:nvPr/>
         </p:nvSpPr>
         <p:spPr>
           <a:xfrm>
-            <a:off x="1910216" y="3259520"/>
+            <a:off x="1909182" y="3306470"/>
             <a:ext cx="5328592" cy="338554"/>
           </a:xfrm>
           <a:prstGeom prst="rect">
@@ -6352,7 +6226,7 @@
         </p:nvSpPr>
         <p:spPr>
           <a:xfrm>
-            <a:off x="1477134" y="4588675"/>
+            <a:off x="1464956" y="4645908"/>
             <a:ext cx="6192688" cy="338554"/>
           </a:xfrm>
           <a:prstGeom prst="rect">
@@ -6435,7 +6309,7 @@
         </p:nvSpPr>
         <p:spPr>
           <a:xfrm>
-            <a:off x="1556144" y="2740742"/>
+            <a:off x="1559643" y="2780535"/>
             <a:ext cx="5976664" cy="338554"/>
           </a:xfrm>
           <a:prstGeom prst="rect">
@@ -6475,7 +6349,7 @@
         </p:nvSpPr>
         <p:spPr>
           <a:xfrm>
-            <a:off x="1965639" y="4010539"/>
+            <a:off x="1881256" y="3953933"/>
             <a:ext cx="5184576" cy="338554"/>
           </a:xfrm>
           <a:prstGeom prst="rect">
@@ -6515,7 +6389,7 @@
         </p:nvSpPr>
         <p:spPr>
           <a:xfrm>
-            <a:off x="1609525" y="5259853"/>
+            <a:off x="1590480" y="5230777"/>
             <a:ext cx="6192688" cy="338554"/>
           </a:xfrm>
           <a:prstGeom prst="rect">
@@ -10244,125 +10118,6 @@
                                   </p:childTnLst>
                                 </p:cTn>
                               </p:par>
-                              <p:par>
-                                <p:cTn id="300" presetID="1" presetClass="entr" presetSubtype="0" fill="hold" grpId="1" nodeType="withEffect">
-                                  <p:stCondLst>
-                                    <p:cond delay="2500"/>
-                                  </p:stCondLst>
-                                  <p:childTnLst>
-                                    <p:set>
-                                      <p:cBhvr>
-                                        <p:cTn id="301" dur="1" fill="hold">
-                                          <p:stCondLst>
-                                            <p:cond delay="0"/>
-                                          </p:stCondLst>
-                                        </p:cTn>
-                                        <p:tgtEl>
-                                          <p:spTgt spid="127"/>
-                                        </p:tgtEl>
-                                        <p:attrNameLst>
-                                          <p:attrName>style.visibility</p:attrName>
-                                        </p:attrNameLst>
-                                      </p:cBhvr>
-                                      <p:to>
-                                        <p:strVal val="visible"/>
-                                      </p:to>
-                                    </p:set>
-                                  </p:childTnLst>
-                                </p:cTn>
-                              </p:par>
-                              <p:par>
-                                <p:cTn id="302" presetID="42" presetClass="path" presetSubtype="0" accel="50000" decel="50000" fill="hold" grpId="0" nodeType="withEffect">
-                                  <p:stCondLst>
-                                    <p:cond delay="2500"/>
-                                  </p:stCondLst>
-                                  <p:childTnLst>
-                                    <p:animMotion origin="layout" path="M 2.77778E-7 3.7037E-7 L 0.45139 -0.00463 " pathEditMode="relative" rAng="0" ptsTypes="AA">
-                                      <p:cBhvr>
-                                        <p:cTn id="303" dur="500" fill="hold"/>
-                                        <p:tgtEl>
-                                          <p:spTgt spid="127"/>
-                                        </p:tgtEl>
-                                        <p:attrNameLst>
-                                          <p:attrName>ppt_x</p:attrName>
-                                          <p:attrName>ppt_y</p:attrName>
-                                        </p:attrNameLst>
-                                      </p:cBhvr>
-                                      <p:rCtr x="22569" y="-231"/>
-                                    </p:animMotion>
-                                  </p:childTnLst>
-                                </p:cTn>
-                              </p:par>
-                              <p:par>
-                                <p:cTn id="304" presetID="22" presetClass="entr" presetSubtype="8" fill="hold" grpId="0" nodeType="withEffect">
-                                  <p:stCondLst>
-                                    <p:cond delay="2500"/>
-                                  </p:stCondLst>
-                                  <p:childTnLst>
-                                    <p:set>
-                                      <p:cBhvr>
-                                        <p:cTn id="305" dur="1" fill="hold">
-                                          <p:stCondLst>
-                                            <p:cond delay="0"/>
-                                          </p:stCondLst>
-                                        </p:cTn>
-                                        <p:tgtEl>
-                                          <p:spTgt spid="126"/>
-                                        </p:tgtEl>
-                                        <p:attrNameLst>
-                                          <p:attrName>style.visibility</p:attrName>
-                                        </p:attrNameLst>
-                                      </p:cBhvr>
-                                      <p:to>
-                                        <p:strVal val="visible"/>
-                                      </p:to>
-                                    </p:set>
-                                    <p:animEffect transition="in" filter="wipe(left)">
-                                      <p:cBhvr>
-                                        <p:cTn id="306" dur="500"/>
-                                        <p:tgtEl>
-                                          <p:spTgt spid="126"/>
-                                        </p:tgtEl>
-                                      </p:cBhvr>
-                                    </p:animEffect>
-                                  </p:childTnLst>
-                                </p:cTn>
-                              </p:par>
-                              <p:par>
-                                <p:cTn id="307" presetID="10" presetClass="exit" presetSubtype="0" fill="hold" grpId="2" nodeType="withEffect">
-                                  <p:stCondLst>
-                                    <p:cond delay="2800"/>
-                                  </p:stCondLst>
-                                  <p:childTnLst>
-                                    <p:animEffect transition="out" filter="fade">
-                                      <p:cBhvr>
-                                        <p:cTn id="308" dur="500"/>
-                                        <p:tgtEl>
-                                          <p:spTgt spid="127"/>
-                                        </p:tgtEl>
-                                      </p:cBhvr>
-                                    </p:animEffect>
-                                    <p:set>
-                                      <p:cBhvr>
-                                        <p:cTn id="309" dur="1" fill="hold">
-                                          <p:stCondLst>
-                                            <p:cond delay="499"/>
-                                          </p:stCondLst>
-                                        </p:cTn>
-                                        <p:tgtEl>
-                                          <p:spTgt spid="127"/>
-                                        </p:tgtEl>
-                                        <p:attrNameLst>
-                                          <p:attrName>style.visibility</p:attrName>
-                                        </p:attrNameLst>
-                                      </p:cBhvr>
-                                      <p:to>
-                                        <p:strVal val="hidden"/>
-                                      </p:to>
-                                    </p:set>
-                                  </p:childTnLst>
-                                </p:cTn>
-                              </p:par>
                             </p:childTnLst>
                           </p:cTn>
                         </p:par>
@@ -10370,26 +10125,26 @@
                     </p:cTn>
                   </p:par>
                   <p:par>
-                    <p:cTn id="310" fill="hold">
+                    <p:cTn id="300" fill="hold">
                       <p:stCondLst>
                         <p:cond delay="indefinite"/>
                       </p:stCondLst>
                       <p:childTnLst>
                         <p:par>
-                          <p:cTn id="311" fill="hold">
+                          <p:cTn id="301" fill="hold">
                             <p:stCondLst>
                               <p:cond delay="0"/>
                             </p:stCondLst>
                             <p:childTnLst>
                               <p:par>
-                                <p:cTn id="312" presetID="10" presetClass="exit" presetSubtype="0" fill="hold" grpId="3" nodeType="clickEffect">
+                                <p:cTn id="302" presetID="10" presetClass="exit" presetSubtype="0" fill="hold" grpId="3" nodeType="clickEffect">
                                   <p:stCondLst>
                                     <p:cond delay="0"/>
                                   </p:stCondLst>
                                   <p:childTnLst>
                                     <p:animEffect transition="out" filter="fade">
                                       <p:cBhvr>
-                                        <p:cTn id="313" dur="1000"/>
+                                        <p:cTn id="303" dur="1000"/>
                                         <p:tgtEl>
                                           <p:spTgt spid="117"/>
                                         </p:tgtEl>
@@ -10397,7 +10152,7 @@
                                     </p:animEffect>
                                     <p:set>
                                       <p:cBhvr>
-                                        <p:cTn id="314" dur="1" fill="hold">
+                                        <p:cTn id="304" dur="1" fill="hold">
                                           <p:stCondLst>
                                             <p:cond delay="999"/>
                                           </p:stCondLst>
@@ -10417,14 +10172,14 @@
                                 </p:cTn>
                               </p:par>
                               <p:par>
-                                <p:cTn id="315" presetID="10" presetClass="exit" presetSubtype="0" fill="hold" grpId="1" nodeType="withEffect">
+                                <p:cTn id="305" presetID="10" presetClass="exit" presetSubtype="0" fill="hold" grpId="1" nodeType="withEffect">
                                   <p:stCondLst>
                                     <p:cond delay="0"/>
                                   </p:stCondLst>
                                   <p:childTnLst>
                                     <p:animEffect transition="out" filter="fade">
                                       <p:cBhvr>
-                                        <p:cTn id="316" dur="1000"/>
+                                        <p:cTn id="306" dur="1000"/>
                                         <p:tgtEl>
                                           <p:spTgt spid="116"/>
                                         </p:tgtEl>
@@ -10432,7 +10187,7 @@
                                     </p:animEffect>
                                     <p:set>
                                       <p:cBhvr>
-                                        <p:cTn id="317" dur="1" fill="hold">
+                                        <p:cTn id="307" dur="1" fill="hold">
                                           <p:stCondLst>
                                             <p:cond delay="999"/>
                                           </p:stCondLst>
@@ -10452,14 +10207,14 @@
                                 </p:cTn>
                               </p:par>
                               <p:par>
-                                <p:cTn id="318" presetID="10" presetClass="exit" presetSubtype="0" fill="hold" grpId="3" nodeType="withEffect">
+                                <p:cTn id="308" presetID="10" presetClass="exit" presetSubtype="0" fill="hold" grpId="3" nodeType="withEffect">
                                   <p:stCondLst>
                                     <p:cond delay="0"/>
                                   </p:stCondLst>
                                   <p:childTnLst>
                                     <p:animEffect transition="out" filter="fade">
                                       <p:cBhvr>
-                                        <p:cTn id="319" dur="1000"/>
+                                        <p:cTn id="309" dur="1000"/>
                                         <p:tgtEl>
                                           <p:spTgt spid="123"/>
                                         </p:tgtEl>
@@ -10467,7 +10222,7 @@
                                     </p:animEffect>
                                     <p:set>
                                       <p:cBhvr>
-                                        <p:cTn id="320" dur="1" fill="hold">
+                                        <p:cTn id="310" dur="1" fill="hold">
                                           <p:stCondLst>
                                             <p:cond delay="999"/>
                                           </p:stCondLst>
@@ -10487,14 +10242,14 @@
                                 </p:cTn>
                               </p:par>
                               <p:par>
-                                <p:cTn id="321" presetID="10" presetClass="exit" presetSubtype="0" fill="hold" grpId="1" nodeType="withEffect">
+                                <p:cTn id="311" presetID="10" presetClass="exit" presetSubtype="0" fill="hold" grpId="1" nodeType="withEffect">
                                   <p:stCondLst>
                                     <p:cond delay="0"/>
                                   </p:stCondLst>
                                   <p:childTnLst>
                                     <p:animEffect transition="out" filter="fade">
                                       <p:cBhvr>
-                                        <p:cTn id="322" dur="1000"/>
+                                        <p:cTn id="312" dur="1000"/>
                                         <p:tgtEl>
                                           <p:spTgt spid="122"/>
                                         </p:tgtEl>
@@ -10502,7 +10257,7 @@
                                     </p:animEffect>
                                     <p:set>
                                       <p:cBhvr>
-                                        <p:cTn id="323" dur="1" fill="hold">
+                                        <p:cTn id="313" dur="1" fill="hold">
                                           <p:stCondLst>
                                             <p:cond delay="999"/>
                                           </p:stCondLst>
@@ -10522,14 +10277,14 @@
                                 </p:cTn>
                               </p:par>
                               <p:par>
-                                <p:cTn id="324" presetID="10" presetClass="exit" presetSubtype="0" fill="hold" grpId="3" nodeType="withEffect">
+                                <p:cTn id="314" presetID="10" presetClass="exit" presetSubtype="0" fill="hold" grpId="3" nodeType="withEffect">
                                   <p:stCondLst>
                                     <p:cond delay="0"/>
                                   </p:stCondLst>
                                   <p:childTnLst>
                                     <p:animEffect transition="out" filter="fade">
                                       <p:cBhvr>
-                                        <p:cTn id="325" dur="1000"/>
+                                        <p:cTn id="315" dur="1000"/>
                                         <p:tgtEl>
                                           <p:spTgt spid="119"/>
                                         </p:tgtEl>
@@ -10537,7 +10292,7 @@
                                     </p:animEffect>
                                     <p:set>
                                       <p:cBhvr>
-                                        <p:cTn id="326" dur="1" fill="hold">
+                                        <p:cTn id="316" dur="1" fill="hold">
                                           <p:stCondLst>
                                             <p:cond delay="999"/>
                                           </p:stCondLst>
@@ -10557,14 +10312,14 @@
                                 </p:cTn>
                               </p:par>
                               <p:par>
-                                <p:cTn id="327" presetID="10" presetClass="exit" presetSubtype="0" fill="hold" grpId="1" nodeType="withEffect">
+                                <p:cTn id="317" presetID="10" presetClass="exit" presetSubtype="0" fill="hold" grpId="1" nodeType="withEffect">
                                   <p:stCondLst>
                                     <p:cond delay="0"/>
                                   </p:stCondLst>
                                   <p:childTnLst>
                                     <p:animEffect transition="out" filter="fade">
                                       <p:cBhvr>
-                                        <p:cTn id="328" dur="1000"/>
+                                        <p:cTn id="318" dur="1000"/>
                                         <p:tgtEl>
                                           <p:spTgt spid="118"/>
                                         </p:tgtEl>
@@ -10572,7 +10327,7 @@
                                     </p:animEffect>
                                     <p:set>
                                       <p:cBhvr>
-                                        <p:cTn id="329" dur="1" fill="hold">
+                                        <p:cTn id="319" dur="1" fill="hold">
                                           <p:stCondLst>
                                             <p:cond delay="999"/>
                                           </p:stCondLst>
@@ -10592,14 +10347,14 @@
                                 </p:cTn>
                               </p:par>
                               <p:par>
-                                <p:cTn id="330" presetID="10" presetClass="exit" presetSubtype="0" fill="hold" grpId="3" nodeType="withEffect">
+                                <p:cTn id="320" presetID="10" presetClass="exit" presetSubtype="0" fill="hold" grpId="3" nodeType="withEffect">
                                   <p:stCondLst>
                                     <p:cond delay="0"/>
                                   </p:stCondLst>
                                   <p:childTnLst>
                                     <p:animEffect transition="out" filter="fade">
                                       <p:cBhvr>
-                                        <p:cTn id="331" dur="1000"/>
+                                        <p:cTn id="321" dur="1000"/>
                                         <p:tgtEl>
                                           <p:spTgt spid="125"/>
                                         </p:tgtEl>
@@ -10607,7 +10362,7 @@
                                     </p:animEffect>
                                     <p:set>
                                       <p:cBhvr>
-                                        <p:cTn id="332" dur="1" fill="hold">
+                                        <p:cTn id="322" dur="1" fill="hold">
                                           <p:stCondLst>
                                             <p:cond delay="999"/>
                                           </p:stCondLst>
@@ -10627,14 +10382,14 @@
                                 </p:cTn>
                               </p:par>
                               <p:par>
-                                <p:cTn id="333" presetID="10" presetClass="exit" presetSubtype="0" fill="hold" grpId="1" nodeType="withEffect">
+                                <p:cTn id="323" presetID="10" presetClass="exit" presetSubtype="0" fill="hold" grpId="1" nodeType="withEffect">
                                   <p:stCondLst>
                                     <p:cond delay="0"/>
                                   </p:stCondLst>
                                   <p:childTnLst>
                                     <p:animEffect transition="out" filter="fade">
                                       <p:cBhvr>
-                                        <p:cTn id="334" dur="1000"/>
+                                        <p:cTn id="324" dur="1000"/>
                                         <p:tgtEl>
                                           <p:spTgt spid="124"/>
                                         </p:tgtEl>
@@ -10642,7 +10397,7 @@
                                     </p:animEffect>
                                     <p:set>
                                       <p:cBhvr>
-                                        <p:cTn id="335" dur="1" fill="hold">
+                                        <p:cTn id="325" dur="1" fill="hold">
                                           <p:stCondLst>
                                             <p:cond delay="999"/>
                                           </p:stCondLst>
@@ -10662,14 +10417,14 @@
                                 </p:cTn>
                               </p:par>
                               <p:par>
-                                <p:cTn id="336" presetID="10" presetClass="exit" presetSubtype="0" fill="hold" grpId="3" nodeType="withEffect">
+                                <p:cTn id="326" presetID="10" presetClass="exit" presetSubtype="0" fill="hold" grpId="3" nodeType="withEffect">
                                   <p:stCondLst>
                                     <p:cond delay="0"/>
                                   </p:stCondLst>
                                   <p:childTnLst>
                                     <p:animEffect transition="out" filter="fade">
                                       <p:cBhvr>
-                                        <p:cTn id="337" dur="1000"/>
+                                        <p:cTn id="327" dur="1000"/>
                                         <p:tgtEl>
                                           <p:spTgt spid="121"/>
                                         </p:tgtEl>
@@ -10677,7 +10432,7 @@
                                     </p:animEffect>
                                     <p:set>
                                       <p:cBhvr>
-                                        <p:cTn id="338" dur="1" fill="hold">
+                                        <p:cTn id="328" dur="1" fill="hold">
                                           <p:stCondLst>
                                             <p:cond delay="999"/>
                                           </p:stCondLst>
@@ -10697,14 +10452,14 @@
                                 </p:cTn>
                               </p:par>
                               <p:par>
-                                <p:cTn id="339" presetID="10" presetClass="exit" presetSubtype="0" fill="hold" grpId="1" nodeType="withEffect">
+                                <p:cTn id="329" presetID="10" presetClass="exit" presetSubtype="0" fill="hold" grpId="1" nodeType="withEffect">
                                   <p:stCondLst>
                                     <p:cond delay="0"/>
                                   </p:stCondLst>
                                   <p:childTnLst>
                                     <p:animEffect transition="out" filter="fade">
                                       <p:cBhvr>
-                                        <p:cTn id="340" dur="1000"/>
+                                        <p:cTn id="330" dur="1000"/>
                                         <p:tgtEl>
                                           <p:spTgt spid="120"/>
                                         </p:tgtEl>
@@ -10712,233 +10467,163 @@
                                     </p:animEffect>
                                     <p:set>
                                       <p:cBhvr>
+                                        <p:cTn id="331" dur="1" fill="hold">
+                                          <p:stCondLst>
+                                            <p:cond delay="999"/>
+                                          </p:stCondLst>
+                                        </p:cTn>
+                                        <p:tgtEl>
+                                          <p:spTgt spid="120"/>
+                                        </p:tgtEl>
+                                        <p:attrNameLst>
+                                          <p:attrName>style.visibility</p:attrName>
+                                        </p:attrNameLst>
+                                      </p:cBhvr>
+                                      <p:to>
+                                        <p:strVal val="hidden"/>
+                                      </p:to>
+                                    </p:set>
+                                  </p:childTnLst>
+                                </p:cTn>
+                              </p:par>
+                              <p:par>
+                                <p:cTn id="332" presetID="1" presetClass="emph" presetSubtype="2" fill="hold" nodeType="withEffect">
+                                  <p:stCondLst>
+                                    <p:cond delay="0"/>
+                                  </p:stCondLst>
+                                  <p:childTnLst>
+                                    <p:animClr clrSpc="rgb" dir="cw">
+                                      <p:cBhvr>
+                                        <p:cTn id="333" dur="1000" fill="hold"/>
+                                        <p:tgtEl>
+                                          <p:spTgt spid="33"/>
+                                        </p:tgtEl>
+                                        <p:attrNameLst>
+                                          <p:attrName>fillcolor</p:attrName>
+                                        </p:attrNameLst>
+                                      </p:cBhvr>
+                                      <p:to>
+                                        <a:srgbClr val="000000"/>
+                                      </p:to>
+                                    </p:animClr>
+                                    <p:set>
+                                      <p:cBhvr>
+                                        <p:cTn id="334" dur="1000" fill="hold"/>
+                                        <p:tgtEl>
+                                          <p:spTgt spid="33"/>
+                                        </p:tgtEl>
+                                        <p:attrNameLst>
+                                          <p:attrName>fill.type</p:attrName>
+                                        </p:attrNameLst>
+                                      </p:cBhvr>
+                                      <p:to>
+                                        <p:strVal val="solid"/>
+                                      </p:to>
+                                    </p:set>
+                                    <p:set>
+                                      <p:cBhvr>
+                                        <p:cTn id="335" dur="1000" fill="hold"/>
+                                        <p:tgtEl>
+                                          <p:spTgt spid="33"/>
+                                        </p:tgtEl>
+                                        <p:attrNameLst>
+                                          <p:attrName>fill.on</p:attrName>
+                                        </p:attrNameLst>
+                                      </p:cBhvr>
+                                      <p:to>
+                                        <p:strVal val="true"/>
+                                      </p:to>
+                                    </p:set>
+                                  </p:childTnLst>
+                                </p:cTn>
+                              </p:par>
+                              <p:par>
+                                <p:cTn id="336" presetID="1" presetClass="emph" presetSubtype="2" fill="hold" nodeType="withEffect">
+                                  <p:stCondLst>
+                                    <p:cond delay="0"/>
+                                  </p:stCondLst>
+                                  <p:childTnLst>
+                                    <p:animClr clrSpc="rgb" dir="cw">
+                                      <p:cBhvr>
+                                        <p:cTn id="337" dur="1000" fill="hold"/>
+                                        <p:tgtEl>
+                                          <p:spTgt spid="32"/>
+                                        </p:tgtEl>
+                                        <p:attrNameLst>
+                                          <p:attrName>fillcolor</p:attrName>
+                                        </p:attrNameLst>
+                                      </p:cBhvr>
+                                      <p:to>
+                                        <a:schemeClr val="accent2"/>
+                                      </p:to>
+                                    </p:animClr>
+                                    <p:set>
+                                      <p:cBhvr>
+                                        <p:cTn id="338" dur="1000" fill="hold"/>
+                                        <p:tgtEl>
+                                          <p:spTgt spid="32"/>
+                                        </p:tgtEl>
+                                        <p:attrNameLst>
+                                          <p:attrName>fill.type</p:attrName>
+                                        </p:attrNameLst>
+                                      </p:cBhvr>
+                                      <p:to>
+                                        <p:strVal val="solid"/>
+                                      </p:to>
+                                    </p:set>
+                                    <p:set>
+                                      <p:cBhvr>
+                                        <p:cTn id="339" dur="1000" fill="hold"/>
+                                        <p:tgtEl>
+                                          <p:spTgt spid="32"/>
+                                        </p:tgtEl>
+                                        <p:attrNameLst>
+                                          <p:attrName>fill.on</p:attrName>
+                                        </p:attrNameLst>
+                                      </p:cBhvr>
+                                      <p:to>
+                                        <p:strVal val="true"/>
+                                      </p:to>
+                                    </p:set>
+                                  </p:childTnLst>
+                                </p:cTn>
+                              </p:par>
+                              <p:par>
+                                <p:cTn id="340" presetID="1" presetClass="entr" presetSubtype="0" fill="hold" grpId="1" nodeType="withEffect">
+                                  <p:stCondLst>
+                                    <p:cond delay="0"/>
+                                  </p:stCondLst>
+                                  <p:childTnLst>
+                                    <p:set>
+                                      <p:cBhvr>
                                         <p:cTn id="341" dur="1" fill="hold">
                                           <p:stCondLst>
-                                            <p:cond delay="999"/>
-                                          </p:stCondLst>
-                                        </p:cTn>
-                                        <p:tgtEl>
-                                          <p:spTgt spid="120"/>
-                                        </p:tgtEl>
-                                        <p:attrNameLst>
-                                          <p:attrName>style.visibility</p:attrName>
-                                        </p:attrNameLst>
-                                      </p:cBhvr>
-                                      <p:to>
-                                        <p:strVal val="hidden"/>
-                                      </p:to>
-                                    </p:set>
-                                  </p:childTnLst>
-                                </p:cTn>
-                              </p:par>
-                              <p:par>
-                                <p:cTn id="342" presetID="10" presetClass="exit" presetSubtype="0" fill="hold" grpId="3" nodeType="withEffect">
+                                            <p:cond delay="0"/>
+                                          </p:stCondLst>
+                                        </p:cTn>
+                                        <p:tgtEl>
+                                          <p:spTgt spid="129"/>
+                                        </p:tgtEl>
+                                        <p:attrNameLst>
+                                          <p:attrName>style.visibility</p:attrName>
+                                        </p:attrNameLst>
+                                      </p:cBhvr>
+                                      <p:to>
+                                        <p:strVal val="visible"/>
+                                      </p:to>
+                                    </p:set>
+                                  </p:childTnLst>
+                                </p:cTn>
+                              </p:par>
+                              <p:par>
+                                <p:cTn id="342" presetID="42" presetClass="path" presetSubtype="0" accel="50000" decel="50000" fill="hold" grpId="0" nodeType="withEffect">
                                   <p:stCondLst>
                                     <p:cond delay="0"/>
                                   </p:stCondLst>
                                   <p:childTnLst>
-                                    <p:animEffect transition="out" filter="fade">
-                                      <p:cBhvr>
-                                        <p:cTn id="343" dur="1000"/>
-                                        <p:tgtEl>
-                                          <p:spTgt spid="127"/>
-                                        </p:tgtEl>
-                                      </p:cBhvr>
-                                    </p:animEffect>
-                                    <p:set>
-                                      <p:cBhvr>
-                                        <p:cTn id="344" dur="1" fill="hold">
-                                          <p:stCondLst>
-                                            <p:cond delay="999"/>
-                                          </p:stCondLst>
-                                        </p:cTn>
-                                        <p:tgtEl>
-                                          <p:spTgt spid="127"/>
-                                        </p:tgtEl>
-                                        <p:attrNameLst>
-                                          <p:attrName>style.visibility</p:attrName>
-                                        </p:attrNameLst>
-                                      </p:cBhvr>
-                                      <p:to>
-                                        <p:strVal val="hidden"/>
-                                      </p:to>
-                                    </p:set>
-                                  </p:childTnLst>
-                                </p:cTn>
-                              </p:par>
-                              <p:par>
-                                <p:cTn id="345" presetID="10" presetClass="exit" presetSubtype="0" fill="hold" grpId="1" nodeType="withEffect">
-                                  <p:stCondLst>
-                                    <p:cond delay="0"/>
-                                  </p:stCondLst>
-                                  <p:childTnLst>
-                                    <p:animEffect transition="out" filter="fade">
-                                      <p:cBhvr>
-                                        <p:cTn id="346" dur="1000"/>
-                                        <p:tgtEl>
-                                          <p:spTgt spid="126"/>
-                                        </p:tgtEl>
-                                      </p:cBhvr>
-                                    </p:animEffect>
-                                    <p:set>
-                                      <p:cBhvr>
-                                        <p:cTn id="347" dur="1" fill="hold">
-                                          <p:stCondLst>
-                                            <p:cond delay="999"/>
-                                          </p:stCondLst>
-                                        </p:cTn>
-                                        <p:tgtEl>
-                                          <p:spTgt spid="126"/>
-                                        </p:tgtEl>
-                                        <p:attrNameLst>
-                                          <p:attrName>style.visibility</p:attrName>
-                                        </p:attrNameLst>
-                                      </p:cBhvr>
-                                      <p:to>
-                                        <p:strVal val="hidden"/>
-                                      </p:to>
-                                    </p:set>
-                                  </p:childTnLst>
-                                </p:cTn>
-                              </p:par>
-                              <p:par>
-                                <p:cTn id="348" presetID="1" presetClass="emph" presetSubtype="2" fill="hold" nodeType="withEffect">
-                                  <p:stCondLst>
-                                    <p:cond delay="0"/>
-                                  </p:stCondLst>
-                                  <p:childTnLst>
-                                    <p:animClr clrSpc="rgb" dir="cw">
-                                      <p:cBhvr>
-                                        <p:cTn id="349" dur="1000" fill="hold"/>
-                                        <p:tgtEl>
-                                          <p:spTgt spid="33"/>
-                                        </p:tgtEl>
-                                        <p:attrNameLst>
-                                          <p:attrName>fillcolor</p:attrName>
-                                        </p:attrNameLst>
-                                      </p:cBhvr>
-                                      <p:to>
-                                        <a:srgbClr val="000000"/>
-                                      </p:to>
-                                    </p:animClr>
-                                    <p:set>
-                                      <p:cBhvr>
-                                        <p:cTn id="350" dur="1000" fill="hold"/>
-                                        <p:tgtEl>
-                                          <p:spTgt spid="33"/>
-                                        </p:tgtEl>
-                                        <p:attrNameLst>
-                                          <p:attrName>fill.type</p:attrName>
-                                        </p:attrNameLst>
-                                      </p:cBhvr>
-                                      <p:to>
-                                        <p:strVal val="solid"/>
-                                      </p:to>
-                                    </p:set>
-                                    <p:set>
-                                      <p:cBhvr>
-                                        <p:cTn id="351" dur="1000" fill="hold"/>
-                                        <p:tgtEl>
-                                          <p:spTgt spid="33"/>
-                                        </p:tgtEl>
-                                        <p:attrNameLst>
-                                          <p:attrName>fill.on</p:attrName>
-                                        </p:attrNameLst>
-                                      </p:cBhvr>
-                                      <p:to>
-                                        <p:strVal val="true"/>
-                                      </p:to>
-                                    </p:set>
-                                  </p:childTnLst>
-                                </p:cTn>
-                              </p:par>
-                              <p:par>
-                                <p:cTn id="352" presetID="1" presetClass="emph" presetSubtype="2" fill="hold" nodeType="withEffect">
-                                  <p:stCondLst>
-                                    <p:cond delay="0"/>
-                                  </p:stCondLst>
-                                  <p:childTnLst>
-                                    <p:animClr clrSpc="rgb" dir="cw">
-                                      <p:cBhvr>
-                                        <p:cTn id="353" dur="1000" fill="hold"/>
-                                        <p:tgtEl>
-                                          <p:spTgt spid="32"/>
-                                        </p:tgtEl>
-                                        <p:attrNameLst>
-                                          <p:attrName>fillcolor</p:attrName>
-                                        </p:attrNameLst>
-                                      </p:cBhvr>
-                                      <p:to>
-                                        <a:schemeClr val="accent2"/>
-                                      </p:to>
-                                    </p:animClr>
-                                    <p:set>
-                                      <p:cBhvr>
-                                        <p:cTn id="354" dur="1000" fill="hold"/>
-                                        <p:tgtEl>
-                                          <p:spTgt spid="32"/>
-                                        </p:tgtEl>
-                                        <p:attrNameLst>
-                                          <p:attrName>fill.type</p:attrName>
-                                        </p:attrNameLst>
-                                      </p:cBhvr>
-                                      <p:to>
-                                        <p:strVal val="solid"/>
-                                      </p:to>
-                                    </p:set>
-                                    <p:set>
-                                      <p:cBhvr>
-                                        <p:cTn id="355" dur="1000" fill="hold"/>
-                                        <p:tgtEl>
-                                          <p:spTgt spid="32"/>
-                                        </p:tgtEl>
-                                        <p:attrNameLst>
-                                          <p:attrName>fill.on</p:attrName>
-                                        </p:attrNameLst>
-                                      </p:cBhvr>
-                                      <p:to>
-                                        <p:strVal val="true"/>
-                                      </p:to>
-                                    </p:set>
-                                  </p:childTnLst>
-                                </p:cTn>
-                              </p:par>
-                              <p:par>
-                                <p:cTn id="356" presetID="1" presetClass="entr" presetSubtype="0" fill="hold" grpId="1" nodeType="withEffect">
-                                  <p:stCondLst>
-                                    <p:cond delay="0"/>
-                                  </p:stCondLst>
-                                  <p:childTnLst>
-                                    <p:set>
-                                      <p:cBhvr>
-                                        <p:cTn id="357" dur="1" fill="hold">
-                                          <p:stCondLst>
-                                            <p:cond delay="0"/>
-                                          </p:stCondLst>
-                                        </p:cTn>
-                                        <p:tgtEl>
-                                          <p:spTgt spid="129"/>
-                                        </p:tgtEl>
-                                        <p:attrNameLst>
-                                          <p:attrName>style.visibility</p:attrName>
-                                        </p:attrNameLst>
-                                      </p:cBhvr>
-                                      <p:to>
-                                        <p:strVal val="visible"/>
-                                      </p:to>
-                                    </p:set>
-                                  </p:childTnLst>
-                                </p:cTn>
-                              </p:par>
-                              <p:par>
-                                <p:cTn id="358" presetID="42" presetClass="path" presetSubtype="0" accel="50000" decel="50000" fill="hold" grpId="0" nodeType="withEffect">
-                                  <p:stCondLst>
-                                    <p:cond delay="0"/>
-                                  </p:stCondLst>
-                                  <p:childTnLst>
                                     <p:animMotion origin="layout" path="M 3.05556E-6 -2.59259E-6 L 0.45139 -0.0044 " pathEditMode="relative" rAng="0" ptsTypes="AA">
                                       <p:cBhvr>
-                                        <p:cTn id="359" dur="500" fill="hold"/>
+                                        <p:cTn id="343" dur="500" fill="hold"/>
                                         <p:tgtEl>
                                           <p:spTgt spid="129"/>
                                         </p:tgtEl>
@@ -10953,14 +10638,14 @@
                                 </p:cTn>
                               </p:par>
                               <p:par>
-                                <p:cTn id="360" presetID="22" presetClass="entr" presetSubtype="8" fill="hold" grpId="0" nodeType="withEffect">
+                                <p:cTn id="344" presetID="22" presetClass="entr" presetSubtype="8" fill="hold" grpId="0" nodeType="withEffect">
                                   <p:stCondLst>
                                     <p:cond delay="0"/>
                                   </p:stCondLst>
                                   <p:childTnLst>
                                     <p:set>
                                       <p:cBhvr>
-                                        <p:cTn id="361" dur="1" fill="hold">
+                                        <p:cTn id="345" dur="1" fill="hold">
                                           <p:stCondLst>
                                             <p:cond delay="0"/>
                                           </p:stCondLst>
@@ -10978,7 +10663,7 @@
                                     </p:set>
                                     <p:animEffect transition="in" filter="wipe(left)">
                                       <p:cBhvr>
-                                        <p:cTn id="362" dur="500"/>
+                                        <p:cTn id="346" dur="500"/>
                                         <p:tgtEl>
                                           <p:spTgt spid="128"/>
                                         </p:tgtEl>
@@ -10988,14 +10673,14 @@
                                 </p:cTn>
                               </p:par>
                               <p:par>
-                                <p:cTn id="363" presetID="3" presetClass="emph" presetSubtype="2" fill="hold" grpId="2" nodeType="withEffect">
+                                <p:cTn id="347" presetID="3" presetClass="emph" presetSubtype="2" fill="hold" grpId="2" nodeType="withEffect">
                                   <p:stCondLst>
                                     <p:cond delay="0"/>
                                   </p:stCondLst>
                                   <p:childTnLst>
                                     <p:animClr clrSpc="rgb" dir="cw">
                                       <p:cBhvr override="childStyle">
-                                        <p:cTn id="364" dur="500" fill="hold"/>
+                                        <p:cTn id="348" dur="500" fill="hold"/>
                                         <p:tgtEl>
                                           <p:spTgt spid="128"/>
                                         </p:tgtEl>
@@ -11011,14 +10696,14 @@
                                 </p:cTn>
                               </p:par>
                               <p:par>
-                                <p:cTn id="365" presetID="10" presetClass="exit" presetSubtype="0" fill="hold" grpId="2" nodeType="withEffect">
+                                <p:cTn id="349" presetID="10" presetClass="exit" presetSubtype="0" fill="hold" grpId="2" nodeType="withEffect">
                                   <p:stCondLst>
                                     <p:cond delay="300"/>
                                   </p:stCondLst>
                                   <p:childTnLst>
                                     <p:animEffect transition="out" filter="fade">
                                       <p:cBhvr>
-                                        <p:cTn id="366" dur="500"/>
+                                        <p:cTn id="350" dur="500"/>
                                         <p:tgtEl>
                                           <p:spTgt spid="129"/>
                                         </p:tgtEl>
@@ -11026,7 +10711,7 @@
                                     </p:animEffect>
                                     <p:set>
                                       <p:cBhvr>
-                                        <p:cTn id="367" dur="1" fill="hold">
+                                        <p:cTn id="351" dur="1" fill="hold">
                                           <p:stCondLst>
                                             <p:cond delay="499"/>
                                           </p:stCondLst>
@@ -11046,14 +10731,14 @@
                                 </p:cTn>
                               </p:par>
                               <p:par>
-                                <p:cTn id="368" presetID="1" presetClass="entr" presetSubtype="0" fill="hold" grpId="1" nodeType="withEffect">
+                                <p:cTn id="352" presetID="1" presetClass="entr" presetSubtype="0" fill="hold" grpId="1" nodeType="withEffect">
                                   <p:stCondLst>
                                     <p:cond delay="500"/>
                                   </p:stCondLst>
                                   <p:childTnLst>
                                     <p:set>
                                       <p:cBhvr>
-                                        <p:cTn id="369" dur="1" fill="hold">
+                                        <p:cTn id="353" dur="1" fill="hold">
                                           <p:stCondLst>
                                             <p:cond delay="0"/>
                                           </p:stCondLst>
@@ -11073,14 +10758,14 @@
                                 </p:cTn>
                               </p:par>
                               <p:par>
-                                <p:cTn id="370" presetID="42" presetClass="path" presetSubtype="0" accel="50000" decel="50000" fill="hold" grpId="0" nodeType="withEffect">
+                                <p:cTn id="354" presetID="42" presetClass="path" presetSubtype="0" accel="50000" decel="50000" fill="hold" grpId="0" nodeType="withEffect">
                                   <p:stCondLst>
                                     <p:cond delay="500"/>
                                   </p:stCondLst>
                                   <p:childTnLst>
                                     <p:animMotion origin="layout" path="M -4.16667E-6 7.40741E-7 L 0.43855 0.00463 " pathEditMode="relative" rAng="0" ptsTypes="AA">
                                       <p:cBhvr>
-                                        <p:cTn id="371" dur="500" fill="hold"/>
+                                        <p:cTn id="355" dur="500" fill="hold"/>
                                         <p:tgtEl>
                                           <p:spTgt spid="135"/>
                                         </p:tgtEl>
@@ -11095,14 +10780,14 @@
                                 </p:cTn>
                               </p:par>
                               <p:par>
-                                <p:cTn id="372" presetID="22" presetClass="entr" presetSubtype="8" fill="hold" grpId="0" nodeType="withEffect">
+                                <p:cTn id="356" presetID="22" presetClass="entr" presetSubtype="8" fill="hold" grpId="0" nodeType="withEffect">
                                   <p:stCondLst>
                                     <p:cond delay="500"/>
                                   </p:stCondLst>
                                   <p:childTnLst>
                                     <p:set>
                                       <p:cBhvr>
-                                        <p:cTn id="373" dur="1" fill="hold">
+                                        <p:cTn id="357" dur="1" fill="hold">
                                           <p:stCondLst>
                                             <p:cond delay="0"/>
                                           </p:stCondLst>
@@ -11120,7 +10805,7 @@
                                     </p:set>
                                     <p:animEffect transition="in" filter="wipe(left)">
                                       <p:cBhvr>
-                                        <p:cTn id="374" dur="500"/>
+                                        <p:cTn id="358" dur="500"/>
                                         <p:tgtEl>
                                           <p:spTgt spid="134"/>
                                         </p:tgtEl>
@@ -11130,14 +10815,14 @@
                                 </p:cTn>
                               </p:par>
                               <p:par>
-                                <p:cTn id="375" presetID="10" presetClass="exit" presetSubtype="0" fill="hold" grpId="2" nodeType="withEffect">
+                                <p:cTn id="359" presetID="10" presetClass="exit" presetSubtype="0" fill="hold" grpId="2" nodeType="withEffect">
                                   <p:stCondLst>
                                     <p:cond delay="800"/>
                                   </p:stCondLst>
                                   <p:childTnLst>
                                     <p:animEffect transition="out" filter="fade">
                                       <p:cBhvr>
-                                        <p:cTn id="376" dur="500"/>
+                                        <p:cTn id="360" dur="500"/>
                                         <p:tgtEl>
                                           <p:spTgt spid="135"/>
                                         </p:tgtEl>
@@ -11145,7 +10830,7 @@
                                     </p:animEffect>
                                     <p:set>
                                       <p:cBhvr>
-                                        <p:cTn id="377" dur="1" fill="hold">
+                                        <p:cTn id="361" dur="1" fill="hold">
                                           <p:stCondLst>
                                             <p:cond delay="499"/>
                                           </p:stCondLst>
@@ -11165,14 +10850,14 @@
                                 </p:cTn>
                               </p:par>
                               <p:par>
-                                <p:cTn id="378" presetID="1" presetClass="entr" presetSubtype="0" fill="hold" grpId="1" nodeType="withEffect">
+                                <p:cTn id="362" presetID="1" presetClass="entr" presetSubtype="0" fill="hold" grpId="1" nodeType="withEffect">
                                   <p:stCondLst>
                                     <p:cond delay="1000"/>
                                   </p:stCondLst>
                                   <p:childTnLst>
                                     <p:set>
                                       <p:cBhvr>
-                                        <p:cTn id="379" dur="1" fill="hold">
+                                        <p:cTn id="363" dur="1" fill="hold">
                                           <p:stCondLst>
                                             <p:cond delay="0"/>
                                           </p:stCondLst>
@@ -11192,14 +10877,14 @@
                                 </p:cTn>
                               </p:par>
                               <p:par>
-                                <p:cTn id="380" presetID="42" presetClass="path" presetSubtype="0" accel="50000" decel="50000" fill="hold" grpId="0" nodeType="withEffect">
+                                <p:cTn id="364" presetID="42" presetClass="path" presetSubtype="0" accel="50000" decel="50000" fill="hold" grpId="0" nodeType="withEffect">
                                   <p:stCondLst>
                                     <p:cond delay="1000"/>
                                   </p:stCondLst>
                                   <p:childTnLst>
                                     <p:animMotion origin="layout" path="M 3.05556E-6 3.7037E-7 L 0.43854 -0.00463 " pathEditMode="relative" rAng="0" ptsTypes="AA">
                                       <p:cBhvr>
-                                        <p:cTn id="381" dur="500" fill="hold"/>
+                                        <p:cTn id="365" dur="500" fill="hold"/>
                                         <p:tgtEl>
                                           <p:spTgt spid="131"/>
                                         </p:tgtEl>
@@ -11214,14 +10899,14 @@
                                 </p:cTn>
                               </p:par>
                               <p:par>
-                                <p:cTn id="382" presetID="22" presetClass="entr" presetSubtype="8" fill="hold" grpId="0" nodeType="withEffect">
+                                <p:cTn id="366" presetID="22" presetClass="entr" presetSubtype="8" fill="hold" grpId="0" nodeType="withEffect">
                                   <p:stCondLst>
                                     <p:cond delay="1000"/>
                                   </p:stCondLst>
                                   <p:childTnLst>
                                     <p:set>
                                       <p:cBhvr>
-                                        <p:cTn id="383" dur="1" fill="hold">
+                                        <p:cTn id="367" dur="1" fill="hold">
                                           <p:stCondLst>
                                             <p:cond delay="0"/>
                                           </p:stCondLst>
@@ -11239,7 +10924,7 @@
                                     </p:set>
                                     <p:animEffect transition="in" filter="wipe(left)">
                                       <p:cBhvr>
-                                        <p:cTn id="384" dur="500"/>
+                                        <p:cTn id="368" dur="500"/>
                                         <p:tgtEl>
                                           <p:spTgt spid="130"/>
                                         </p:tgtEl>
@@ -11249,14 +10934,14 @@
                                 </p:cTn>
                               </p:par>
                               <p:par>
-                                <p:cTn id="385" presetID="10" presetClass="exit" presetSubtype="0" fill="hold" grpId="2" nodeType="withEffect">
+                                <p:cTn id="369" presetID="10" presetClass="exit" presetSubtype="0" fill="hold" grpId="2" nodeType="withEffect">
                                   <p:stCondLst>
                                     <p:cond delay="1300"/>
                                   </p:stCondLst>
                                   <p:childTnLst>
                                     <p:animEffect transition="out" filter="fade">
                                       <p:cBhvr>
-                                        <p:cTn id="386" dur="500"/>
+                                        <p:cTn id="370" dur="500"/>
                                         <p:tgtEl>
                                           <p:spTgt spid="131"/>
                                         </p:tgtEl>
@@ -11264,7 +10949,7 @@
                                     </p:animEffect>
                                     <p:set>
                                       <p:cBhvr>
-                                        <p:cTn id="387" dur="1" fill="hold">
+                                        <p:cTn id="371" dur="1" fill="hold">
                                           <p:stCondLst>
                                             <p:cond delay="499"/>
                                           </p:stCondLst>
@@ -11284,14 +10969,14 @@
                                 </p:cTn>
                               </p:par>
                               <p:par>
-                                <p:cTn id="388" presetID="1" presetClass="entr" presetSubtype="0" fill="hold" grpId="1" nodeType="withEffect">
+                                <p:cTn id="372" presetID="1" presetClass="entr" presetSubtype="0" fill="hold" grpId="1" nodeType="withEffect">
                                   <p:stCondLst>
                                     <p:cond delay="1500"/>
                                   </p:stCondLst>
                                   <p:childTnLst>
                                     <p:set>
                                       <p:cBhvr>
-                                        <p:cTn id="389" dur="1" fill="hold">
+                                        <p:cTn id="373" dur="1" fill="hold">
                                           <p:stCondLst>
                                             <p:cond delay="0"/>
                                           </p:stCondLst>
@@ -11311,14 +10996,14 @@
                                 </p:cTn>
                               </p:par>
                               <p:par>
-                                <p:cTn id="390" presetID="42" presetClass="path" presetSubtype="0" accel="50000" decel="50000" fill="hold" grpId="0" nodeType="withEffect">
+                                <p:cTn id="374" presetID="42" presetClass="path" presetSubtype="0" accel="50000" decel="50000" fill="hold" grpId="0" nodeType="withEffect">
                                   <p:stCondLst>
                                     <p:cond delay="1500"/>
                                   </p:stCondLst>
                                   <p:childTnLst>
                                     <p:animMotion origin="layout" path="M 3.05556E-6 4.44444E-6 L 0.52517 0.00578 " pathEditMode="relative" rAng="0" ptsTypes="AA">
                                       <p:cBhvr>
-                                        <p:cTn id="391" dur="500" fill="hold"/>
+                                        <p:cTn id="375" dur="500" fill="hold"/>
                                         <p:tgtEl>
                                           <p:spTgt spid="137"/>
                                         </p:tgtEl>
@@ -11333,14 +11018,14 @@
                                 </p:cTn>
                               </p:par>
                               <p:par>
-                                <p:cTn id="392" presetID="22" presetClass="entr" presetSubtype="8" fill="hold" grpId="0" nodeType="withEffect">
+                                <p:cTn id="376" presetID="22" presetClass="entr" presetSubtype="8" fill="hold" grpId="0" nodeType="withEffect">
                                   <p:stCondLst>
                                     <p:cond delay="1500"/>
                                   </p:stCondLst>
                                   <p:childTnLst>
                                     <p:set>
                                       <p:cBhvr>
-                                        <p:cTn id="393" dur="1" fill="hold">
+                                        <p:cTn id="377" dur="1" fill="hold">
                                           <p:stCondLst>
                                             <p:cond delay="0"/>
                                           </p:stCondLst>
@@ -11358,7 +11043,7 @@
                                     </p:set>
                                     <p:animEffect transition="in" filter="wipe(left)">
                                       <p:cBhvr>
-                                        <p:cTn id="394" dur="500"/>
+                                        <p:cTn id="378" dur="500"/>
                                         <p:tgtEl>
                                           <p:spTgt spid="136"/>
                                         </p:tgtEl>
@@ -11368,14 +11053,14 @@
                                 </p:cTn>
                               </p:par>
                               <p:par>
-                                <p:cTn id="395" presetID="10" presetClass="exit" presetSubtype="0" fill="hold" grpId="2" nodeType="withEffect">
+                                <p:cTn id="379" presetID="10" presetClass="exit" presetSubtype="0" fill="hold" grpId="2" nodeType="withEffect">
                                   <p:stCondLst>
                                     <p:cond delay="1800"/>
                                   </p:stCondLst>
                                   <p:childTnLst>
                                     <p:animEffect transition="out" filter="fade">
                                       <p:cBhvr>
-                                        <p:cTn id="396" dur="500"/>
+                                        <p:cTn id="380" dur="500"/>
                                         <p:tgtEl>
                                           <p:spTgt spid="137"/>
                                         </p:tgtEl>
@@ -11383,7 +11068,7 @@
                                     </p:animEffect>
                                     <p:set>
                                       <p:cBhvr>
-                                        <p:cTn id="397" dur="1" fill="hold">
+                                        <p:cTn id="381" dur="1" fill="hold">
                                           <p:stCondLst>
                                             <p:cond delay="499"/>
                                           </p:stCondLst>
@@ -11403,14 +11088,14 @@
                                 </p:cTn>
                               </p:par>
                               <p:par>
-                                <p:cTn id="398" presetID="1" presetClass="entr" presetSubtype="0" fill="hold" grpId="1" nodeType="withEffect">
+                                <p:cTn id="382" presetID="1" presetClass="entr" presetSubtype="0" fill="hold" grpId="1" nodeType="withEffect">
                                   <p:stCondLst>
                                     <p:cond delay="2000"/>
                                   </p:stCondLst>
                                   <p:childTnLst>
                                     <p:set>
                                       <p:cBhvr>
-                                        <p:cTn id="399" dur="1" fill="hold">
+                                        <p:cTn id="383" dur="1" fill="hold">
                                           <p:stCondLst>
                                             <p:cond delay="0"/>
                                           </p:stCondLst>
@@ -11430,14 +11115,14 @@
                                 </p:cTn>
                               </p:par>
                               <p:par>
-                                <p:cTn id="400" presetID="42" presetClass="path" presetSubtype="0" accel="50000" decel="50000" fill="hold" grpId="0" nodeType="withEffect">
+                                <p:cTn id="384" presetID="42" presetClass="path" presetSubtype="0" accel="50000" decel="50000" fill="hold" grpId="0" nodeType="withEffect">
                                   <p:stCondLst>
                                     <p:cond delay="2000"/>
                                   </p:stCondLst>
                                   <p:childTnLst>
                                     <p:animMotion origin="layout" path="M 2.77778E-6 2.59259E-6 L 0.48298 0.00463 " pathEditMode="relative" rAng="0" ptsTypes="AA">
                                       <p:cBhvr>
-                                        <p:cTn id="401" dur="500" fill="hold"/>
+                                        <p:cTn id="385" dur="500" fill="hold"/>
                                         <p:tgtEl>
                                           <p:spTgt spid="133"/>
                                         </p:tgtEl>
@@ -11452,14 +11137,14 @@
                                 </p:cTn>
                               </p:par>
                               <p:par>
-                                <p:cTn id="402" presetID="22" presetClass="entr" presetSubtype="8" fill="hold" grpId="0" nodeType="withEffect">
+                                <p:cTn id="386" presetID="22" presetClass="entr" presetSubtype="8" fill="hold" grpId="0" nodeType="withEffect">
                                   <p:stCondLst>
                                     <p:cond delay="2000"/>
                                   </p:stCondLst>
                                   <p:childTnLst>
                                     <p:set>
                                       <p:cBhvr>
-                                        <p:cTn id="403" dur="1" fill="hold">
+                                        <p:cTn id="387" dur="1" fill="hold">
                                           <p:stCondLst>
                                             <p:cond delay="0"/>
                                           </p:stCondLst>
@@ -11477,7 +11162,7 @@
                                     </p:set>
                                     <p:animEffect transition="in" filter="wipe(left)">
                                       <p:cBhvr>
-                                        <p:cTn id="404" dur="500"/>
+                                        <p:cTn id="388" dur="500"/>
                                         <p:tgtEl>
                                           <p:spTgt spid="132"/>
                                         </p:tgtEl>
@@ -11487,14 +11172,14 @@
                                 </p:cTn>
                               </p:par>
                               <p:par>
-                                <p:cTn id="405" presetID="10" presetClass="exit" presetSubtype="0" fill="hold" grpId="2" nodeType="withEffect">
+                                <p:cTn id="389" presetID="10" presetClass="exit" presetSubtype="0" fill="hold" grpId="2" nodeType="withEffect">
                                   <p:stCondLst>
                                     <p:cond delay="2300"/>
                                   </p:stCondLst>
                                   <p:childTnLst>
                                     <p:animEffect transition="out" filter="fade">
                                       <p:cBhvr>
-                                        <p:cTn id="406" dur="500"/>
+                                        <p:cTn id="390" dur="500"/>
                                         <p:tgtEl>
                                           <p:spTgt spid="133"/>
                                         </p:tgtEl>
@@ -11502,7 +11187,7 @@
                                     </p:animEffect>
                                     <p:set>
                                       <p:cBhvr>
-                                        <p:cTn id="407" dur="1" fill="hold">
+                                        <p:cTn id="391" dur="1" fill="hold">
                                           <p:stCondLst>
                                             <p:cond delay="499"/>
                                           </p:stCondLst>
@@ -11522,14 +11207,14 @@
                                 </p:cTn>
                               </p:par>
                               <p:par>
-                                <p:cTn id="408" presetID="1" presetClass="entr" presetSubtype="0" fill="hold" grpId="1" nodeType="withEffect">
+                                <p:cTn id="392" presetID="1" presetClass="entr" presetSubtype="0" fill="hold" grpId="1" nodeType="withEffect">
                                   <p:stCondLst>
                                     <p:cond delay="2500"/>
                                   </p:stCondLst>
                                   <p:childTnLst>
                                     <p:set>
                                       <p:cBhvr>
-                                        <p:cTn id="409" dur="1" fill="hold">
+                                        <p:cTn id="393" dur="1" fill="hold">
                                           <p:stCondLst>
                                             <p:cond delay="0"/>
                                           </p:stCondLst>
@@ -11549,14 +11234,14 @@
                                 </p:cTn>
                               </p:par>
                               <p:par>
-                                <p:cTn id="410" presetID="42" presetClass="path" presetSubtype="0" accel="50000" decel="50000" fill="hold" grpId="0" nodeType="withEffect">
+                                <p:cTn id="394" presetID="42" presetClass="path" presetSubtype="0" accel="50000" decel="50000" fill="hold" grpId="0" nodeType="withEffect">
                                   <p:stCondLst>
                                     <p:cond delay="2500"/>
                                   </p:stCondLst>
                                   <p:childTnLst>
                                     <p:animMotion origin="layout" path="M -8.33333E-7 -1.85185E-6 L 0.41997 -0.00579 " pathEditMode="relative" rAng="0" ptsTypes="AA">
                                       <p:cBhvr>
-                                        <p:cTn id="411" dur="500" fill="hold"/>
+                                        <p:cTn id="395" dur="500" fill="hold"/>
                                         <p:tgtEl>
                                           <p:spTgt spid="139"/>
                                         </p:tgtEl>
@@ -11571,14 +11256,14 @@
                                 </p:cTn>
                               </p:par>
                               <p:par>
-                                <p:cTn id="412" presetID="22" presetClass="entr" presetSubtype="8" fill="hold" grpId="0" nodeType="withEffect">
+                                <p:cTn id="396" presetID="22" presetClass="entr" presetSubtype="8" fill="hold" grpId="0" nodeType="withEffect">
                                   <p:stCondLst>
                                     <p:cond delay="2500"/>
                                   </p:stCondLst>
                                   <p:childTnLst>
                                     <p:set>
                                       <p:cBhvr>
-                                        <p:cTn id="413" dur="1" fill="hold">
+                                        <p:cTn id="397" dur="1" fill="hold">
                                           <p:stCondLst>
                                             <p:cond delay="0"/>
                                           </p:stCondLst>
@@ -11596,7 +11281,7 @@
                                     </p:set>
                                     <p:animEffect transition="in" filter="wipe(left)">
                                       <p:cBhvr>
-                                        <p:cTn id="414" dur="500"/>
+                                        <p:cTn id="398" dur="500"/>
                                         <p:tgtEl>
                                           <p:spTgt spid="138"/>
                                         </p:tgtEl>
@@ -11606,14 +11291,14 @@
                                 </p:cTn>
                               </p:par>
                               <p:par>
-                                <p:cTn id="415" presetID="3" presetClass="emph" presetSubtype="2" fill="hold" grpId="2" nodeType="withEffect">
+                                <p:cTn id="399" presetID="3" presetClass="emph" presetSubtype="2" fill="hold" grpId="2" nodeType="withEffect">
                                   <p:stCondLst>
                                     <p:cond delay="2500"/>
                                   </p:stCondLst>
                                   <p:childTnLst>
                                     <p:animClr clrSpc="rgb" dir="cw">
                                       <p:cBhvr override="childStyle">
-                                        <p:cTn id="416" dur="500" fill="hold"/>
+                                        <p:cTn id="400" dur="500" fill="hold"/>
                                         <p:tgtEl>
                                           <p:spTgt spid="138"/>
                                         </p:tgtEl>
@@ -11629,14 +11314,14 @@
                                 </p:cTn>
                               </p:par>
                               <p:par>
-                                <p:cTn id="417" presetID="10" presetClass="exit" presetSubtype="0" fill="hold" grpId="2" nodeType="withEffect">
+                                <p:cTn id="401" presetID="10" presetClass="exit" presetSubtype="0" fill="hold" grpId="2" nodeType="withEffect">
                                   <p:stCondLst>
                                     <p:cond delay="2800"/>
                                   </p:stCondLst>
                                   <p:childTnLst>
                                     <p:animEffect transition="out" filter="fade">
                                       <p:cBhvr>
-                                        <p:cTn id="418" dur="500"/>
+                                        <p:cTn id="402" dur="500"/>
                                         <p:tgtEl>
                                           <p:spTgt spid="139"/>
                                         </p:tgtEl>
@@ -11644,7 +11329,7 @@
                                     </p:animEffect>
                                     <p:set>
                                       <p:cBhvr>
-                                        <p:cTn id="419" dur="1" fill="hold">
+                                        <p:cTn id="403" dur="1" fill="hold">
                                           <p:stCondLst>
                                             <p:cond delay="499"/>
                                           </p:stCondLst>
@@ -11670,26 +11355,26 @@
                     </p:cTn>
                   </p:par>
                   <p:par>
-                    <p:cTn id="420" fill="hold">
+                    <p:cTn id="404" fill="hold">
                       <p:stCondLst>
                         <p:cond delay="indefinite"/>
                       </p:stCondLst>
                       <p:childTnLst>
                         <p:par>
-                          <p:cTn id="421" fill="hold">
+                          <p:cTn id="405" fill="hold">
                             <p:stCondLst>
                               <p:cond delay="0"/>
                             </p:stCondLst>
                             <p:childTnLst>
                               <p:par>
-                                <p:cTn id="422" presetID="10" presetClass="exit" presetSubtype="0" fill="hold" grpId="3" nodeType="clickEffect">
+                                <p:cTn id="406" presetID="10" presetClass="exit" presetSubtype="0" fill="hold" grpId="3" nodeType="clickEffect">
                                   <p:stCondLst>
                                     <p:cond delay="0"/>
                                   </p:stCondLst>
                                   <p:childTnLst>
                                     <p:animEffect transition="out" filter="fade">
                                       <p:cBhvr>
-                                        <p:cTn id="423" dur="1000"/>
+                                        <p:cTn id="407" dur="1000"/>
                                         <p:tgtEl>
                                           <p:spTgt spid="129"/>
                                         </p:tgtEl>
@@ -11697,7 +11382,7 @@
                                     </p:animEffect>
                                     <p:set>
                                       <p:cBhvr>
-                                        <p:cTn id="424" dur="1" fill="hold">
+                                        <p:cTn id="408" dur="1" fill="hold">
                                           <p:stCondLst>
                                             <p:cond delay="999"/>
                                           </p:stCondLst>
@@ -11717,14 +11402,14 @@
                                 </p:cTn>
                               </p:par>
                               <p:par>
-                                <p:cTn id="425" presetID="10" presetClass="exit" presetSubtype="0" fill="hold" grpId="1" nodeType="withEffect">
+                                <p:cTn id="409" presetID="10" presetClass="exit" presetSubtype="0" fill="hold" grpId="1" nodeType="withEffect">
                                   <p:stCondLst>
                                     <p:cond delay="0"/>
                                   </p:stCondLst>
                                   <p:childTnLst>
                                     <p:animEffect transition="out" filter="fade">
                                       <p:cBhvr>
-                                        <p:cTn id="426" dur="1000"/>
+                                        <p:cTn id="410" dur="1000"/>
                                         <p:tgtEl>
                                           <p:spTgt spid="128"/>
                                         </p:tgtEl>
@@ -11732,7 +11417,7 @@
                                     </p:animEffect>
                                     <p:set>
                                       <p:cBhvr>
-                                        <p:cTn id="427" dur="1" fill="hold">
+                                        <p:cTn id="411" dur="1" fill="hold">
                                           <p:stCondLst>
                                             <p:cond delay="999"/>
                                           </p:stCondLst>
@@ -11752,14 +11437,14 @@
                                 </p:cTn>
                               </p:par>
                               <p:par>
-                                <p:cTn id="428" presetID="10" presetClass="exit" presetSubtype="0" fill="hold" grpId="3" nodeType="withEffect">
+                                <p:cTn id="412" presetID="10" presetClass="exit" presetSubtype="0" fill="hold" grpId="3" nodeType="withEffect">
                                   <p:stCondLst>
                                     <p:cond delay="0"/>
                                   </p:stCondLst>
                                   <p:childTnLst>
                                     <p:animEffect transition="out" filter="fade">
                                       <p:cBhvr>
-                                        <p:cTn id="429" dur="1000"/>
+                                        <p:cTn id="413" dur="1000"/>
                                         <p:tgtEl>
                                           <p:spTgt spid="135"/>
                                         </p:tgtEl>
@@ -11767,7 +11452,7 @@
                                     </p:animEffect>
                                     <p:set>
                                       <p:cBhvr>
-                                        <p:cTn id="430" dur="1" fill="hold">
+                                        <p:cTn id="414" dur="1" fill="hold">
                                           <p:stCondLst>
                                             <p:cond delay="999"/>
                                           </p:stCondLst>
@@ -11787,14 +11472,14 @@
                                 </p:cTn>
                               </p:par>
                               <p:par>
-                                <p:cTn id="431" presetID="10" presetClass="exit" presetSubtype="0" fill="hold" grpId="1" nodeType="withEffect">
+                                <p:cTn id="415" presetID="10" presetClass="exit" presetSubtype="0" fill="hold" grpId="1" nodeType="withEffect">
                                   <p:stCondLst>
                                     <p:cond delay="0"/>
                                   </p:stCondLst>
                                   <p:childTnLst>
                                     <p:animEffect transition="out" filter="fade">
                                       <p:cBhvr>
-                                        <p:cTn id="432" dur="1000"/>
+                                        <p:cTn id="416" dur="1000"/>
                                         <p:tgtEl>
                                           <p:spTgt spid="134"/>
                                         </p:tgtEl>
@@ -11802,7 +11487,7 @@
                                     </p:animEffect>
                                     <p:set>
                                       <p:cBhvr>
-                                        <p:cTn id="433" dur="1" fill="hold">
+                                        <p:cTn id="417" dur="1" fill="hold">
                                           <p:stCondLst>
                                             <p:cond delay="999"/>
                                           </p:stCondLst>
@@ -11822,14 +11507,14 @@
                                 </p:cTn>
                               </p:par>
                               <p:par>
-                                <p:cTn id="434" presetID="10" presetClass="exit" presetSubtype="0" fill="hold" grpId="3" nodeType="withEffect">
+                                <p:cTn id="418" presetID="10" presetClass="exit" presetSubtype="0" fill="hold" grpId="3" nodeType="withEffect">
                                   <p:stCondLst>
                                     <p:cond delay="0"/>
                                   </p:stCondLst>
                                   <p:childTnLst>
                                     <p:animEffect transition="out" filter="fade">
                                       <p:cBhvr>
-                                        <p:cTn id="435" dur="1000"/>
+                                        <p:cTn id="419" dur="1000"/>
                                         <p:tgtEl>
                                           <p:spTgt spid="131"/>
                                         </p:tgtEl>
@@ -11837,7 +11522,7 @@
                                     </p:animEffect>
                                     <p:set>
                                       <p:cBhvr>
-                                        <p:cTn id="436" dur="1" fill="hold">
+                                        <p:cTn id="420" dur="1" fill="hold">
                                           <p:stCondLst>
                                             <p:cond delay="999"/>
                                           </p:stCondLst>
@@ -11857,14 +11542,14 @@
                                 </p:cTn>
                               </p:par>
                               <p:par>
-                                <p:cTn id="437" presetID="10" presetClass="exit" presetSubtype="0" fill="hold" grpId="1" nodeType="withEffect">
+                                <p:cTn id="421" presetID="10" presetClass="exit" presetSubtype="0" fill="hold" grpId="1" nodeType="withEffect">
                                   <p:stCondLst>
                                     <p:cond delay="0"/>
                                   </p:stCondLst>
                                   <p:childTnLst>
                                     <p:animEffect transition="out" filter="fade">
                                       <p:cBhvr>
-                                        <p:cTn id="438" dur="1000"/>
+                                        <p:cTn id="422" dur="1000"/>
                                         <p:tgtEl>
                                           <p:spTgt spid="130"/>
                                         </p:tgtEl>
@@ -11872,7 +11557,7 @@
                                     </p:animEffect>
                                     <p:set>
                                       <p:cBhvr>
-                                        <p:cTn id="439" dur="1" fill="hold">
+                                        <p:cTn id="423" dur="1" fill="hold">
                                           <p:stCondLst>
                                             <p:cond delay="999"/>
                                           </p:stCondLst>
@@ -11892,14 +11577,14 @@
                                 </p:cTn>
                               </p:par>
                               <p:par>
-                                <p:cTn id="440" presetID="10" presetClass="exit" presetSubtype="0" fill="hold" grpId="3" nodeType="withEffect">
+                                <p:cTn id="424" presetID="10" presetClass="exit" presetSubtype="0" fill="hold" grpId="3" nodeType="withEffect">
                                   <p:stCondLst>
                                     <p:cond delay="0"/>
                                   </p:stCondLst>
                                   <p:childTnLst>
                                     <p:animEffect transition="out" filter="fade">
                                       <p:cBhvr>
-                                        <p:cTn id="441" dur="1000"/>
+                                        <p:cTn id="425" dur="1000"/>
                                         <p:tgtEl>
                                           <p:spTgt spid="137"/>
                                         </p:tgtEl>
@@ -11907,7 +11592,7 @@
                                     </p:animEffect>
                                     <p:set>
                                       <p:cBhvr>
-                                        <p:cTn id="442" dur="1" fill="hold">
+                                        <p:cTn id="426" dur="1" fill="hold">
                                           <p:stCondLst>
                                             <p:cond delay="999"/>
                                           </p:stCondLst>
@@ -11927,14 +11612,14 @@
                                 </p:cTn>
                               </p:par>
                               <p:par>
-                                <p:cTn id="443" presetID="10" presetClass="exit" presetSubtype="0" fill="hold" grpId="1" nodeType="withEffect">
+                                <p:cTn id="427" presetID="10" presetClass="exit" presetSubtype="0" fill="hold" grpId="1" nodeType="withEffect">
                                   <p:stCondLst>
                                     <p:cond delay="0"/>
                                   </p:stCondLst>
                                   <p:childTnLst>
                                     <p:animEffect transition="out" filter="fade">
                                       <p:cBhvr>
-                                        <p:cTn id="444" dur="1000"/>
+                                        <p:cTn id="428" dur="1000"/>
                                         <p:tgtEl>
                                           <p:spTgt spid="136"/>
                                         </p:tgtEl>
@@ -11942,7 +11627,7 @@
                                     </p:animEffect>
                                     <p:set>
                                       <p:cBhvr>
-                                        <p:cTn id="445" dur="1" fill="hold">
+                                        <p:cTn id="429" dur="1" fill="hold">
                                           <p:stCondLst>
                                             <p:cond delay="999"/>
                                           </p:stCondLst>
@@ -11962,6 +11647,197 @@
                                 </p:cTn>
                               </p:par>
                               <p:par>
+                                <p:cTn id="430" presetID="10" presetClass="exit" presetSubtype="0" fill="hold" grpId="3" nodeType="withEffect">
+                                  <p:stCondLst>
+                                    <p:cond delay="0"/>
+                                  </p:stCondLst>
+                                  <p:childTnLst>
+                                    <p:animEffect transition="out" filter="fade">
+                                      <p:cBhvr>
+                                        <p:cTn id="431" dur="1000"/>
+                                        <p:tgtEl>
+                                          <p:spTgt spid="133"/>
+                                        </p:tgtEl>
+                                      </p:cBhvr>
+                                    </p:animEffect>
+                                    <p:set>
+                                      <p:cBhvr>
+                                        <p:cTn id="432" dur="1" fill="hold">
+                                          <p:stCondLst>
+                                            <p:cond delay="999"/>
+                                          </p:stCondLst>
+                                        </p:cTn>
+                                        <p:tgtEl>
+                                          <p:spTgt spid="133"/>
+                                        </p:tgtEl>
+                                        <p:attrNameLst>
+                                          <p:attrName>style.visibility</p:attrName>
+                                        </p:attrNameLst>
+                                      </p:cBhvr>
+                                      <p:to>
+                                        <p:strVal val="hidden"/>
+                                      </p:to>
+                                    </p:set>
+                                  </p:childTnLst>
+                                </p:cTn>
+                              </p:par>
+                              <p:par>
+                                <p:cTn id="433" presetID="10" presetClass="exit" presetSubtype="0" fill="hold" grpId="1" nodeType="withEffect">
+                                  <p:stCondLst>
+                                    <p:cond delay="0"/>
+                                  </p:stCondLst>
+                                  <p:childTnLst>
+                                    <p:animEffect transition="out" filter="fade">
+                                      <p:cBhvr>
+                                        <p:cTn id="434" dur="1000"/>
+                                        <p:tgtEl>
+                                          <p:spTgt spid="132"/>
+                                        </p:tgtEl>
+                                      </p:cBhvr>
+                                    </p:animEffect>
+                                    <p:set>
+                                      <p:cBhvr>
+                                        <p:cTn id="435" dur="1" fill="hold">
+                                          <p:stCondLst>
+                                            <p:cond delay="999"/>
+                                          </p:stCondLst>
+                                        </p:cTn>
+                                        <p:tgtEl>
+                                          <p:spTgt spid="132"/>
+                                        </p:tgtEl>
+                                        <p:attrNameLst>
+                                          <p:attrName>style.visibility</p:attrName>
+                                        </p:attrNameLst>
+                                      </p:cBhvr>
+                                      <p:to>
+                                        <p:strVal val="hidden"/>
+                                      </p:to>
+                                    </p:set>
+                                  </p:childTnLst>
+                                </p:cTn>
+                              </p:par>
+                              <p:par>
+                                <p:cTn id="436" presetID="10" presetClass="exit" presetSubtype="0" fill="hold" grpId="3" nodeType="withEffect">
+                                  <p:stCondLst>
+                                    <p:cond delay="0"/>
+                                  </p:stCondLst>
+                                  <p:childTnLst>
+                                    <p:animEffect transition="out" filter="fade">
+                                      <p:cBhvr>
+                                        <p:cTn id="437" dur="1000"/>
+                                        <p:tgtEl>
+                                          <p:spTgt spid="139"/>
+                                        </p:tgtEl>
+                                      </p:cBhvr>
+                                    </p:animEffect>
+                                    <p:set>
+                                      <p:cBhvr>
+                                        <p:cTn id="438" dur="1" fill="hold">
+                                          <p:stCondLst>
+                                            <p:cond delay="999"/>
+                                          </p:stCondLst>
+                                        </p:cTn>
+                                        <p:tgtEl>
+                                          <p:spTgt spid="139"/>
+                                        </p:tgtEl>
+                                        <p:attrNameLst>
+                                          <p:attrName>style.visibility</p:attrName>
+                                        </p:attrNameLst>
+                                      </p:cBhvr>
+                                      <p:to>
+                                        <p:strVal val="hidden"/>
+                                      </p:to>
+                                    </p:set>
+                                  </p:childTnLst>
+                                </p:cTn>
+                              </p:par>
+                              <p:par>
+                                <p:cTn id="439" presetID="10" presetClass="exit" presetSubtype="0" fill="hold" grpId="1" nodeType="withEffect">
+                                  <p:stCondLst>
+                                    <p:cond delay="0"/>
+                                  </p:stCondLst>
+                                  <p:childTnLst>
+                                    <p:animEffect transition="out" filter="fade">
+                                      <p:cBhvr>
+                                        <p:cTn id="440" dur="1000"/>
+                                        <p:tgtEl>
+                                          <p:spTgt spid="138"/>
+                                        </p:tgtEl>
+                                      </p:cBhvr>
+                                    </p:animEffect>
+                                    <p:set>
+                                      <p:cBhvr>
+                                        <p:cTn id="441" dur="1" fill="hold">
+                                          <p:stCondLst>
+                                            <p:cond delay="999"/>
+                                          </p:stCondLst>
+                                        </p:cTn>
+                                        <p:tgtEl>
+                                          <p:spTgt spid="138"/>
+                                        </p:tgtEl>
+                                        <p:attrNameLst>
+                                          <p:attrName>style.visibility</p:attrName>
+                                        </p:attrNameLst>
+                                      </p:cBhvr>
+                                      <p:to>
+                                        <p:strVal val="hidden"/>
+                                      </p:to>
+                                    </p:set>
+                                  </p:childTnLst>
+                                </p:cTn>
+                              </p:par>
+                              <p:par>
+                                <p:cTn id="442" presetID="1" presetClass="emph" presetSubtype="2" fill="hold" nodeType="withEffect">
+                                  <p:stCondLst>
+                                    <p:cond delay="0"/>
+                                  </p:stCondLst>
+                                  <p:childTnLst>
+                                    <p:animClr clrSpc="rgb" dir="cw">
+                                      <p:cBhvr>
+                                        <p:cTn id="443" dur="700" fill="hold"/>
+                                        <p:tgtEl>
+                                          <p:spTgt spid="32"/>
+                                        </p:tgtEl>
+                                        <p:attrNameLst>
+                                          <p:attrName>fillcolor</p:attrName>
+                                        </p:attrNameLst>
+                                      </p:cBhvr>
+                                      <p:to>
+                                        <a:srgbClr val="000000"/>
+                                      </p:to>
+                                    </p:animClr>
+                                    <p:set>
+                                      <p:cBhvr>
+                                        <p:cTn id="444" dur="700" fill="hold"/>
+                                        <p:tgtEl>
+                                          <p:spTgt spid="32"/>
+                                        </p:tgtEl>
+                                        <p:attrNameLst>
+                                          <p:attrName>fill.type</p:attrName>
+                                        </p:attrNameLst>
+                                      </p:cBhvr>
+                                      <p:to>
+                                        <p:strVal val="solid"/>
+                                      </p:to>
+                                    </p:set>
+                                    <p:set>
+                                      <p:cBhvr>
+                                        <p:cTn id="445" dur="700" fill="hold"/>
+                                        <p:tgtEl>
+                                          <p:spTgt spid="32"/>
+                                        </p:tgtEl>
+                                        <p:attrNameLst>
+                                          <p:attrName>fill.on</p:attrName>
+                                        </p:attrNameLst>
+                                      </p:cBhvr>
+                                      <p:to>
+                                        <p:strVal val="true"/>
+                                      </p:to>
+                                    </p:set>
+                                  </p:childTnLst>
+                                </p:cTn>
+                              </p:par>
+                              <p:par>
                                 <p:cTn id="446" presetID="10" presetClass="exit" presetSubtype="0" fill="hold" grpId="3" nodeType="withEffect">
                                   <p:stCondLst>
                                     <p:cond delay="0"/>
@@ -11971,7 +11847,7 @@
                                       <p:cBhvr>
                                         <p:cTn id="447" dur="1000"/>
                                         <p:tgtEl>
-                                          <p:spTgt spid="133"/>
+                                          <p:spTgt spid="33"/>
                                         </p:tgtEl>
                                       </p:cBhvr>
                                     </p:animEffect>
@@ -11983,7 +11859,7 @@
                                           </p:stCondLst>
                                         </p:cTn>
                                         <p:tgtEl>
-                                          <p:spTgt spid="133"/>
+                                          <p:spTgt spid="33"/>
                                         </p:tgtEl>
                                         <p:attrNameLst>
                                           <p:attrName>style.visibility</p:attrName>
@@ -12006,7 +11882,7 @@
                                       <p:cBhvr>
                                         <p:cTn id="450" dur="1000"/>
                                         <p:tgtEl>
-                                          <p:spTgt spid="132"/>
+                                          <p:spTgt spid="31"/>
                                         </p:tgtEl>
                                       </p:cBhvr>
                                     </p:animEffect>
@@ -12018,7 +11894,7 @@
                                           </p:stCondLst>
                                         </p:cTn>
                                         <p:tgtEl>
-                                          <p:spTgt spid="132"/>
+                                          <p:spTgt spid="31"/>
                                         </p:tgtEl>
                                         <p:attrNameLst>
                                           <p:attrName>style.visibility</p:attrName>
@@ -12032,16 +11908,16 @@
                                 </p:cTn>
                               </p:par>
                               <p:par>
-                                <p:cTn id="452" presetID="10" presetClass="exit" presetSubtype="0" fill="hold" grpId="3" nodeType="withEffect">
-                                  <p:stCondLst>
-                                    <p:cond delay="0"/>
+                                <p:cTn id="452" presetID="10" presetClass="exit" presetSubtype="0" fill="hold" grpId="1" nodeType="withEffect">
+                                  <p:stCondLst>
+                                    <p:cond delay="500"/>
                                   </p:stCondLst>
                                   <p:childTnLst>
                                     <p:animEffect transition="out" filter="fade">
                                       <p:cBhvr>
                                         <p:cTn id="453" dur="1000"/>
                                         <p:tgtEl>
-                                          <p:spTgt spid="139"/>
+                                          <p:spTgt spid="32"/>
                                         </p:tgtEl>
                                       </p:cBhvr>
                                     </p:animEffect>
@@ -12053,7 +11929,7 @@
                                           </p:stCondLst>
                                         </p:cTn>
                                         <p:tgtEl>
-                                          <p:spTgt spid="139"/>
+                                          <p:spTgt spid="32"/>
                                         </p:tgtEl>
                                         <p:attrNameLst>
                                           <p:attrName>style.visibility</p:attrName>
@@ -12067,16 +11943,16 @@
                                 </p:cTn>
                               </p:par>
                               <p:par>
-                                <p:cTn id="455" presetID="10" presetClass="exit" presetSubtype="0" fill="hold" grpId="1" nodeType="withEffect">
-                                  <p:stCondLst>
-                                    <p:cond delay="0"/>
+                                <p:cTn id="455" presetID="10" presetClass="exit" presetSubtype="0" fill="hold" grpId="2" nodeType="withEffect">
+                                  <p:stCondLst>
+                                    <p:cond delay="500"/>
                                   </p:stCondLst>
                                   <p:childTnLst>
                                     <p:animEffect transition="out" filter="fade">
                                       <p:cBhvr>
                                         <p:cTn id="456" dur="1000"/>
                                         <p:tgtEl>
-                                          <p:spTgt spid="138"/>
+                                          <p:spTgt spid="37"/>
                                         </p:tgtEl>
                                       </p:cBhvr>
                                     </p:animEffect>
@@ -12088,7 +11964,7 @@
                                           </p:stCondLst>
                                         </p:cTn>
                                         <p:tgtEl>
-                                          <p:spTgt spid="138"/>
+                                          <p:spTgt spid="37"/>
                                         </p:tgtEl>
                                         <p:attrNameLst>
                                           <p:attrName>style.visibility</p:attrName>
@@ -12102,79 +11978,28 @@
                                 </p:cTn>
                               </p:par>
                               <p:par>
-                                <p:cTn id="458" presetID="1" presetClass="emph" presetSubtype="2" fill="hold" nodeType="withEffect">
-                                  <p:stCondLst>
-                                    <p:cond delay="0"/>
-                                  </p:stCondLst>
-                                  <p:childTnLst>
-                                    <p:animClr clrSpc="rgb" dir="cw">
-                                      <p:cBhvr>
-                                        <p:cTn id="459" dur="700" fill="hold"/>
-                                        <p:tgtEl>
-                                          <p:spTgt spid="32"/>
-                                        </p:tgtEl>
-                                        <p:attrNameLst>
-                                          <p:attrName>fillcolor</p:attrName>
-                                        </p:attrNameLst>
-                                      </p:cBhvr>
-                                      <p:to>
-                                        <a:srgbClr val="000000"/>
-                                      </p:to>
-                                    </p:animClr>
-                                    <p:set>
-                                      <p:cBhvr>
-                                        <p:cTn id="460" dur="700" fill="hold"/>
-                                        <p:tgtEl>
-                                          <p:spTgt spid="32"/>
-                                        </p:tgtEl>
-                                        <p:attrNameLst>
-                                          <p:attrName>fill.type</p:attrName>
-                                        </p:attrNameLst>
-                                      </p:cBhvr>
-                                      <p:to>
-                                        <p:strVal val="solid"/>
-                                      </p:to>
-                                    </p:set>
-                                    <p:set>
-                                      <p:cBhvr>
-                                        <p:cTn id="461" dur="700" fill="hold"/>
-                                        <p:tgtEl>
-                                          <p:spTgt spid="32"/>
-                                        </p:tgtEl>
-                                        <p:attrNameLst>
-                                          <p:attrName>fill.on</p:attrName>
-                                        </p:attrNameLst>
-                                      </p:cBhvr>
-                                      <p:to>
-                                        <p:strVal val="true"/>
-                                      </p:to>
-                                    </p:set>
-                                  </p:childTnLst>
-                                </p:cTn>
-                              </p:par>
-                              <p:par>
-                                <p:cTn id="462" presetID="10" presetClass="exit" presetSubtype="0" fill="hold" grpId="3" nodeType="withEffect">
-                                  <p:stCondLst>
-                                    <p:cond delay="0"/>
+                                <p:cTn id="458" presetID="10" presetClass="exit" presetSubtype="0" fill="hold" nodeType="withEffect">
+                                  <p:stCondLst>
+                                    <p:cond delay="500"/>
                                   </p:stCondLst>
                                   <p:childTnLst>
                                     <p:animEffect transition="out" filter="fade">
                                       <p:cBhvr>
-                                        <p:cTn id="463" dur="1000"/>
-                                        <p:tgtEl>
-                                          <p:spTgt spid="33"/>
+                                        <p:cTn id="459" dur="1000"/>
+                                        <p:tgtEl>
+                                          <p:spTgt spid="47"/>
                                         </p:tgtEl>
                                       </p:cBhvr>
                                     </p:animEffect>
                                     <p:set>
                                       <p:cBhvr>
-                                        <p:cTn id="464" dur="1" fill="hold">
+                                        <p:cTn id="460" dur="1" fill="hold">
                                           <p:stCondLst>
                                             <p:cond delay="999"/>
                                           </p:stCondLst>
                                         </p:cTn>
                                         <p:tgtEl>
-                                          <p:spTgt spid="33"/>
+                                          <p:spTgt spid="47"/>
                                         </p:tgtEl>
                                         <p:attrNameLst>
                                           <p:attrName>style.visibility</p:attrName>
@@ -12188,28 +12013,28 @@
                                 </p:cTn>
                               </p:par>
                               <p:par>
-                                <p:cTn id="465" presetID="10" presetClass="exit" presetSubtype="0" fill="hold" grpId="1" nodeType="withEffect">
-                                  <p:stCondLst>
-                                    <p:cond delay="0"/>
+                                <p:cTn id="461" presetID="10" presetClass="exit" presetSubtype="0" fill="hold" nodeType="withEffect">
+                                  <p:stCondLst>
+                                    <p:cond delay="500"/>
                                   </p:stCondLst>
                                   <p:childTnLst>
                                     <p:animEffect transition="out" filter="fade">
                                       <p:cBhvr>
-                                        <p:cTn id="466" dur="1000"/>
-                                        <p:tgtEl>
-                                          <p:spTgt spid="31"/>
+                                        <p:cTn id="462" dur="1000"/>
+                                        <p:tgtEl>
+                                          <p:spTgt spid="63"/>
                                         </p:tgtEl>
                                       </p:cBhvr>
                                     </p:animEffect>
                                     <p:set>
                                       <p:cBhvr>
-                                        <p:cTn id="467" dur="1" fill="hold">
+                                        <p:cTn id="463" dur="1" fill="hold">
                                           <p:stCondLst>
                                             <p:cond delay="999"/>
                                           </p:stCondLst>
                                         </p:cTn>
                                         <p:tgtEl>
-                                          <p:spTgt spid="31"/>
+                                          <p:spTgt spid="63"/>
                                         </p:tgtEl>
                                         <p:attrNameLst>
                                           <p:attrName>style.visibility</p:attrName>
@@ -12223,28 +12048,28 @@
                                 </p:cTn>
                               </p:par>
                               <p:par>
-                                <p:cTn id="468" presetID="10" presetClass="exit" presetSubtype="0" fill="hold" grpId="1" nodeType="withEffect">
+                                <p:cTn id="464" presetID="10" presetClass="exit" presetSubtype="0" fill="hold" nodeType="withEffect">
                                   <p:stCondLst>
                                     <p:cond delay="500"/>
                                   </p:stCondLst>
                                   <p:childTnLst>
                                     <p:animEffect transition="out" filter="fade">
                                       <p:cBhvr>
-                                        <p:cTn id="469" dur="1000"/>
-                                        <p:tgtEl>
-                                          <p:spTgt spid="32"/>
+                                        <p:cTn id="465" dur="1000"/>
+                                        <p:tgtEl>
+                                          <p:spTgt spid="41"/>
                                         </p:tgtEl>
                                       </p:cBhvr>
                                     </p:animEffect>
                                     <p:set>
                                       <p:cBhvr>
-                                        <p:cTn id="470" dur="1" fill="hold">
+                                        <p:cTn id="466" dur="1" fill="hold">
                                           <p:stCondLst>
                                             <p:cond delay="999"/>
                                           </p:stCondLst>
                                         </p:cTn>
                                         <p:tgtEl>
-                                          <p:spTgt spid="32"/>
+                                          <p:spTgt spid="41"/>
                                         </p:tgtEl>
                                         <p:attrNameLst>
                                           <p:attrName>style.visibility</p:attrName>
@@ -12258,28 +12083,133 @@
                                 </p:cTn>
                               </p:par>
                               <p:par>
-                                <p:cTn id="471" presetID="10" presetClass="exit" presetSubtype="0" fill="hold" grpId="2" nodeType="withEffect">
+                                <p:cTn id="467" presetID="22" presetClass="exit" presetSubtype="4" fill="hold" nodeType="withEffect">
                                   <p:stCondLst>
                                     <p:cond delay="500"/>
                                   </p:stCondLst>
                                   <p:childTnLst>
+                                    <p:animEffect transition="out" filter="wipe(down)">
+                                      <p:cBhvr>
+                                        <p:cTn id="468" dur="1000"/>
+                                        <p:tgtEl>
+                                          <p:spTgt spid="44"/>
+                                        </p:tgtEl>
+                                      </p:cBhvr>
+                                    </p:animEffect>
+                                    <p:set>
+                                      <p:cBhvr>
+                                        <p:cTn id="469" dur="1" fill="hold">
+                                          <p:stCondLst>
+                                            <p:cond delay="999"/>
+                                          </p:stCondLst>
+                                        </p:cTn>
+                                        <p:tgtEl>
+                                          <p:spTgt spid="44"/>
+                                        </p:tgtEl>
+                                        <p:attrNameLst>
+                                          <p:attrName>style.visibility</p:attrName>
+                                        </p:attrNameLst>
+                                      </p:cBhvr>
+                                      <p:to>
+                                        <p:strVal val="hidden"/>
+                                      </p:to>
+                                    </p:set>
+                                  </p:childTnLst>
+                                </p:cTn>
+                              </p:par>
+                              <p:par>
+                                <p:cTn id="470" presetID="14" presetClass="exit" presetSubtype="10" fill="hold" nodeType="withEffect">
+                                  <p:stCondLst>
+                                    <p:cond delay="500"/>
+                                  </p:stCondLst>
+                                  <p:childTnLst>
+                                    <p:animEffect transition="out" filter="randombar(horizontal)">
+                                      <p:cBhvr>
+                                        <p:cTn id="471" dur="500"/>
+                                        <p:tgtEl>
+                                          <p:spTgt spid="51"/>
+                                        </p:tgtEl>
+                                      </p:cBhvr>
+                                    </p:animEffect>
+                                    <p:set>
+                                      <p:cBhvr>
+                                        <p:cTn id="472" dur="1" fill="hold">
+                                          <p:stCondLst>
+                                            <p:cond delay="499"/>
+                                          </p:stCondLst>
+                                        </p:cTn>
+                                        <p:tgtEl>
+                                          <p:spTgt spid="51"/>
+                                        </p:tgtEl>
+                                        <p:attrNameLst>
+                                          <p:attrName>style.visibility</p:attrName>
+                                        </p:attrNameLst>
+                                      </p:cBhvr>
+                                      <p:to>
+                                        <p:strVal val="hidden"/>
+                                      </p:to>
+                                    </p:set>
+                                  </p:childTnLst>
+                                </p:cTn>
+                              </p:par>
+                              <p:par>
+                                <p:cTn id="473" presetID="14" presetClass="exit" presetSubtype="10" fill="hold" nodeType="withEffect">
+                                  <p:stCondLst>
+                                    <p:cond delay="500"/>
+                                  </p:stCondLst>
+                                  <p:childTnLst>
+                                    <p:animEffect transition="out" filter="randombar(horizontal)">
+                                      <p:cBhvr>
+                                        <p:cTn id="474" dur="500"/>
+                                        <p:tgtEl>
+                                          <p:spTgt spid="52"/>
+                                        </p:tgtEl>
+                                      </p:cBhvr>
+                                    </p:animEffect>
+                                    <p:set>
+                                      <p:cBhvr>
+                                        <p:cTn id="475" dur="1" fill="hold">
+                                          <p:stCondLst>
+                                            <p:cond delay="499"/>
+                                          </p:stCondLst>
+                                        </p:cTn>
+                                        <p:tgtEl>
+                                          <p:spTgt spid="52"/>
+                                        </p:tgtEl>
+                                        <p:attrNameLst>
+                                          <p:attrName>style.visibility</p:attrName>
+                                        </p:attrNameLst>
+                                      </p:cBhvr>
+                                      <p:to>
+                                        <p:strVal val="hidden"/>
+                                      </p:to>
+                                    </p:set>
+                                  </p:childTnLst>
+                                </p:cTn>
+                              </p:par>
+                              <p:par>
+                                <p:cTn id="476" presetID="10" presetClass="exit" presetSubtype="0" fill="hold" nodeType="withEffect">
+                                  <p:stCondLst>
+                                    <p:cond delay="600"/>
+                                  </p:stCondLst>
+                                  <p:childTnLst>
                                     <p:animEffect transition="out" filter="fade">
                                       <p:cBhvr>
-                                        <p:cTn id="472" dur="1000"/>
-                                        <p:tgtEl>
-                                          <p:spTgt spid="37"/>
+                                        <p:cTn id="477" dur="500"/>
+                                        <p:tgtEl>
+                                          <p:spTgt spid="50"/>
                                         </p:tgtEl>
                                       </p:cBhvr>
                                     </p:animEffect>
                                     <p:set>
                                       <p:cBhvr>
-                                        <p:cTn id="473" dur="1" fill="hold">
-                                          <p:stCondLst>
-                                            <p:cond delay="999"/>
-                                          </p:stCondLst>
-                                        </p:cTn>
-                                        <p:tgtEl>
-                                          <p:spTgt spid="37"/>
+                                        <p:cTn id="478" dur="1" fill="hold">
+                                          <p:stCondLst>
+                                            <p:cond delay="499"/>
+                                          </p:stCondLst>
+                                        </p:cTn>
+                                        <p:tgtEl>
+                                          <p:spTgt spid="50"/>
                                         </p:tgtEl>
                                         <p:attrNameLst>
                                           <p:attrName>style.visibility</p:attrName>
@@ -12293,28 +12223,28 @@
                                 </p:cTn>
                               </p:par>
                               <p:par>
-                                <p:cTn id="474" presetID="10" presetClass="exit" presetSubtype="0" fill="hold" nodeType="withEffect">
-                                  <p:stCondLst>
-                                    <p:cond delay="500"/>
+                                <p:cTn id="479" presetID="10" presetClass="exit" presetSubtype="0" fill="hold" grpId="2" nodeType="withEffect">
+                                  <p:stCondLst>
+                                    <p:cond delay="600"/>
                                   </p:stCondLst>
                                   <p:childTnLst>
                                     <p:animEffect transition="out" filter="fade">
                                       <p:cBhvr>
-                                        <p:cTn id="475" dur="1000"/>
-                                        <p:tgtEl>
-                                          <p:spTgt spid="47"/>
+                                        <p:cTn id="480" dur="500"/>
+                                        <p:tgtEl>
+                                          <p:spTgt spid="54"/>
                                         </p:tgtEl>
                                       </p:cBhvr>
                                     </p:animEffect>
                                     <p:set>
                                       <p:cBhvr>
-                                        <p:cTn id="476" dur="1" fill="hold">
-                                          <p:stCondLst>
-                                            <p:cond delay="999"/>
-                                          </p:stCondLst>
-                                        </p:cTn>
-                                        <p:tgtEl>
-                                          <p:spTgt spid="47"/>
+                                        <p:cTn id="481" dur="1" fill="hold">
+                                          <p:stCondLst>
+                                            <p:cond delay="499"/>
+                                          </p:stCondLst>
+                                        </p:cTn>
+                                        <p:tgtEl>
+                                          <p:spTgt spid="54"/>
                                         </p:tgtEl>
                                         <p:attrNameLst>
                                           <p:attrName>style.visibility</p:attrName>
@@ -12328,28 +12258,28 @@
                                 </p:cTn>
                               </p:par>
                               <p:par>
-                                <p:cTn id="477" presetID="10" presetClass="exit" presetSubtype="0" fill="hold" nodeType="withEffect">
-                                  <p:stCondLst>
-                                    <p:cond delay="500"/>
+                                <p:cTn id="482" presetID="10" presetClass="exit" presetSubtype="0" fill="hold" nodeType="withEffect">
+                                  <p:stCondLst>
+                                    <p:cond delay="600"/>
                                   </p:stCondLst>
                                   <p:childTnLst>
                                     <p:animEffect transition="out" filter="fade">
                                       <p:cBhvr>
-                                        <p:cTn id="478" dur="1000"/>
-                                        <p:tgtEl>
-                                          <p:spTgt spid="63"/>
+                                        <p:cTn id="483" dur="500"/>
+                                        <p:tgtEl>
+                                          <p:spTgt spid="53"/>
                                         </p:tgtEl>
                                       </p:cBhvr>
                                     </p:animEffect>
                                     <p:set>
                                       <p:cBhvr>
-                                        <p:cTn id="479" dur="1" fill="hold">
-                                          <p:stCondLst>
-                                            <p:cond delay="999"/>
-                                          </p:stCondLst>
-                                        </p:cTn>
-                                        <p:tgtEl>
-                                          <p:spTgt spid="63"/>
+                                        <p:cTn id="484" dur="1" fill="hold">
+                                          <p:stCondLst>
+                                            <p:cond delay="499"/>
+                                          </p:stCondLst>
+                                        </p:cTn>
+                                        <p:tgtEl>
+                                          <p:spTgt spid="53"/>
                                         </p:tgtEl>
                                         <p:attrNameLst>
                                           <p:attrName>style.visibility</p:attrName>
@@ -12363,294 +12293,49 @@
                                 </p:cTn>
                               </p:par>
                               <p:par>
-                                <p:cTn id="480" presetID="10" presetClass="exit" presetSubtype="0" fill="hold" nodeType="withEffect">
-                                  <p:stCondLst>
-                                    <p:cond delay="500"/>
-                                  </p:stCondLst>
-                                  <p:childTnLst>
-                                    <p:animEffect transition="out" filter="fade">
-                                      <p:cBhvr>
-                                        <p:cTn id="481" dur="1000"/>
-                                        <p:tgtEl>
-                                          <p:spTgt spid="41"/>
+                                <p:cTn id="485" presetID="14" presetClass="entr" presetSubtype="10" fill="hold" grpId="0" nodeType="withEffect">
+                                  <p:stCondLst>
+                                    <p:cond delay="600"/>
+                                  </p:stCondLst>
+                                  <p:childTnLst>
+                                    <p:set>
+                                      <p:cBhvr>
+                                        <p:cTn id="486" dur="1" fill="hold">
+                                          <p:stCondLst>
+                                            <p:cond delay="0"/>
+                                          </p:stCondLst>
+                                        </p:cTn>
+                                        <p:tgtEl>
+                                          <p:spTgt spid="149"/>
+                                        </p:tgtEl>
+                                        <p:attrNameLst>
+                                          <p:attrName>style.visibility</p:attrName>
+                                        </p:attrNameLst>
+                                      </p:cBhvr>
+                                      <p:to>
+                                        <p:strVal val="visible"/>
+                                      </p:to>
+                                    </p:set>
+                                    <p:animEffect transition="in" filter="randombar(horizontal)">
+                                      <p:cBhvr>
+                                        <p:cTn id="487" dur="300"/>
+                                        <p:tgtEl>
+                                          <p:spTgt spid="149"/>
                                         </p:tgtEl>
                                       </p:cBhvr>
                                     </p:animEffect>
-                                    <p:set>
-                                      <p:cBhvr>
-                                        <p:cTn id="482" dur="1" fill="hold">
-                                          <p:stCondLst>
-                                            <p:cond delay="999"/>
-                                          </p:stCondLst>
-                                        </p:cTn>
-                                        <p:tgtEl>
-                                          <p:spTgt spid="41"/>
-                                        </p:tgtEl>
-                                        <p:attrNameLst>
-                                          <p:attrName>style.visibility</p:attrName>
-                                        </p:attrNameLst>
-                                      </p:cBhvr>
-                                      <p:to>
-                                        <p:strVal val="hidden"/>
-                                      </p:to>
-                                    </p:set>
-                                  </p:childTnLst>
-                                </p:cTn>
-                              </p:par>
-                              <p:par>
-                                <p:cTn id="483" presetID="22" presetClass="exit" presetSubtype="4" fill="hold" nodeType="withEffect">
-                                  <p:stCondLst>
-                                    <p:cond delay="500"/>
-                                  </p:stCondLst>
-                                  <p:childTnLst>
-                                    <p:animEffect transition="out" filter="wipe(down)">
-                                      <p:cBhvr>
-                                        <p:cTn id="484" dur="1000"/>
-                                        <p:tgtEl>
-                                          <p:spTgt spid="44"/>
-                                        </p:tgtEl>
-                                      </p:cBhvr>
-                                    </p:animEffect>
-                                    <p:set>
-                                      <p:cBhvr>
-                                        <p:cTn id="485" dur="1" fill="hold">
-                                          <p:stCondLst>
-                                            <p:cond delay="999"/>
-                                          </p:stCondLst>
-                                        </p:cTn>
-                                        <p:tgtEl>
-                                          <p:spTgt spid="44"/>
-                                        </p:tgtEl>
-                                        <p:attrNameLst>
-                                          <p:attrName>style.visibility</p:attrName>
-                                        </p:attrNameLst>
-                                      </p:cBhvr>
-                                      <p:to>
-                                        <p:strVal val="hidden"/>
-                                      </p:to>
-                                    </p:set>
-                                  </p:childTnLst>
-                                </p:cTn>
-                              </p:par>
-                              <p:par>
-                                <p:cTn id="486" presetID="14" presetClass="exit" presetSubtype="10" fill="hold" nodeType="withEffect">
-                                  <p:stCondLst>
-                                    <p:cond delay="500"/>
-                                  </p:stCondLst>
-                                  <p:childTnLst>
-                                    <p:animEffect transition="out" filter="randombar(horizontal)">
-                                      <p:cBhvr>
-                                        <p:cTn id="487" dur="500"/>
-                                        <p:tgtEl>
-                                          <p:spTgt spid="51"/>
-                                        </p:tgtEl>
-                                      </p:cBhvr>
-                                    </p:animEffect>
-                                    <p:set>
-                                      <p:cBhvr>
-                                        <p:cTn id="488" dur="1" fill="hold">
-                                          <p:stCondLst>
-                                            <p:cond delay="499"/>
-                                          </p:stCondLst>
-                                        </p:cTn>
-                                        <p:tgtEl>
-                                          <p:spTgt spid="51"/>
-                                        </p:tgtEl>
-                                        <p:attrNameLst>
-                                          <p:attrName>style.visibility</p:attrName>
-                                        </p:attrNameLst>
-                                      </p:cBhvr>
-                                      <p:to>
-                                        <p:strVal val="hidden"/>
-                                      </p:to>
-                                    </p:set>
-                                  </p:childTnLst>
-                                </p:cTn>
-                              </p:par>
-                              <p:par>
-                                <p:cTn id="489" presetID="14" presetClass="exit" presetSubtype="10" fill="hold" nodeType="withEffect">
-                                  <p:stCondLst>
-                                    <p:cond delay="500"/>
-                                  </p:stCondLst>
-                                  <p:childTnLst>
-                                    <p:animEffect transition="out" filter="randombar(horizontal)">
-                                      <p:cBhvr>
-                                        <p:cTn id="490" dur="500"/>
-                                        <p:tgtEl>
-                                          <p:spTgt spid="52"/>
-                                        </p:tgtEl>
-                                      </p:cBhvr>
-                                    </p:animEffect>
-                                    <p:set>
-                                      <p:cBhvr>
-                                        <p:cTn id="491" dur="1" fill="hold">
-                                          <p:stCondLst>
-                                            <p:cond delay="499"/>
-                                          </p:stCondLst>
-                                        </p:cTn>
-                                        <p:tgtEl>
-                                          <p:spTgt spid="52"/>
-                                        </p:tgtEl>
-                                        <p:attrNameLst>
-                                          <p:attrName>style.visibility</p:attrName>
-                                        </p:attrNameLst>
-                                      </p:cBhvr>
-                                      <p:to>
-                                        <p:strVal val="hidden"/>
-                                      </p:to>
-                                    </p:set>
-                                  </p:childTnLst>
-                                </p:cTn>
-                              </p:par>
-                              <p:par>
-                                <p:cTn id="492" presetID="10" presetClass="exit" presetSubtype="0" fill="hold" nodeType="withEffect">
+                                  </p:childTnLst>
+                                </p:cTn>
+                              </p:par>
+                              <p:par>
+                                <p:cTn id="488" presetID="42" presetClass="path" presetSubtype="0" accel="50000" decel="50000" fill="hold" grpId="1" nodeType="withEffect">
                                   <p:stCondLst>
                                     <p:cond delay="600"/>
                                   </p:stCondLst>
                                   <p:childTnLst>
-                                    <p:animEffect transition="out" filter="fade">
-                                      <p:cBhvr>
-                                        <p:cTn id="493" dur="500"/>
-                                        <p:tgtEl>
-                                          <p:spTgt spid="50"/>
-                                        </p:tgtEl>
-                                      </p:cBhvr>
-                                    </p:animEffect>
-                                    <p:set>
-                                      <p:cBhvr>
-                                        <p:cTn id="494" dur="1" fill="hold">
-                                          <p:stCondLst>
-                                            <p:cond delay="499"/>
-                                          </p:stCondLst>
-                                        </p:cTn>
-                                        <p:tgtEl>
-                                          <p:spTgt spid="50"/>
-                                        </p:tgtEl>
-                                        <p:attrNameLst>
-                                          <p:attrName>style.visibility</p:attrName>
-                                        </p:attrNameLst>
-                                      </p:cBhvr>
-                                      <p:to>
-                                        <p:strVal val="hidden"/>
-                                      </p:to>
-                                    </p:set>
-                                  </p:childTnLst>
-                                </p:cTn>
-                              </p:par>
-                              <p:par>
-                                <p:cTn id="495" presetID="10" presetClass="exit" presetSubtype="0" fill="hold" grpId="2" nodeType="withEffect">
-                                  <p:stCondLst>
-                                    <p:cond delay="600"/>
-                                  </p:stCondLst>
-                                  <p:childTnLst>
-                                    <p:animEffect transition="out" filter="fade">
-                                      <p:cBhvr>
-                                        <p:cTn id="496" dur="500"/>
-                                        <p:tgtEl>
-                                          <p:spTgt spid="54"/>
-                                        </p:tgtEl>
-                                      </p:cBhvr>
-                                    </p:animEffect>
-                                    <p:set>
-                                      <p:cBhvr>
-                                        <p:cTn id="497" dur="1" fill="hold">
-                                          <p:stCondLst>
-                                            <p:cond delay="499"/>
-                                          </p:stCondLst>
-                                        </p:cTn>
-                                        <p:tgtEl>
-                                          <p:spTgt spid="54"/>
-                                        </p:tgtEl>
-                                        <p:attrNameLst>
-                                          <p:attrName>style.visibility</p:attrName>
-                                        </p:attrNameLst>
-                                      </p:cBhvr>
-                                      <p:to>
-                                        <p:strVal val="hidden"/>
-                                      </p:to>
-                                    </p:set>
-                                  </p:childTnLst>
-                                </p:cTn>
-                              </p:par>
-                              <p:par>
-                                <p:cTn id="498" presetID="10" presetClass="exit" presetSubtype="0" fill="hold" nodeType="withEffect">
-                                  <p:stCondLst>
-                                    <p:cond delay="600"/>
-                                  </p:stCondLst>
-                                  <p:childTnLst>
-                                    <p:animEffect transition="out" filter="fade">
-                                      <p:cBhvr>
-                                        <p:cTn id="499" dur="500"/>
-                                        <p:tgtEl>
-                                          <p:spTgt spid="53"/>
-                                        </p:tgtEl>
-                                      </p:cBhvr>
-                                    </p:animEffect>
-                                    <p:set>
-                                      <p:cBhvr>
-                                        <p:cTn id="500" dur="1" fill="hold">
-                                          <p:stCondLst>
-                                            <p:cond delay="499"/>
-                                          </p:stCondLst>
-                                        </p:cTn>
-                                        <p:tgtEl>
-                                          <p:spTgt spid="53"/>
-                                        </p:tgtEl>
-                                        <p:attrNameLst>
-                                          <p:attrName>style.visibility</p:attrName>
-                                        </p:attrNameLst>
-                                      </p:cBhvr>
-                                      <p:to>
-                                        <p:strVal val="hidden"/>
-                                      </p:to>
-                                    </p:set>
-                                  </p:childTnLst>
-                                </p:cTn>
-                              </p:par>
-                              <p:par>
-                                <p:cTn id="501" presetID="14" presetClass="entr" presetSubtype="10" fill="hold" grpId="0" nodeType="withEffect">
-                                  <p:stCondLst>
-                                    <p:cond delay="600"/>
-                                  </p:stCondLst>
-                                  <p:childTnLst>
-                                    <p:set>
-                                      <p:cBhvr>
-                                        <p:cTn id="502" dur="1" fill="hold">
-                                          <p:stCondLst>
-                                            <p:cond delay="0"/>
-                                          </p:stCondLst>
-                                        </p:cTn>
-                                        <p:tgtEl>
-                                          <p:spTgt spid="149"/>
-                                        </p:tgtEl>
-                                        <p:attrNameLst>
-                                          <p:attrName>style.visibility</p:attrName>
-                                        </p:attrNameLst>
-                                      </p:cBhvr>
-                                      <p:to>
-                                        <p:strVal val="visible"/>
-                                      </p:to>
-                                    </p:set>
-                                    <p:animEffect transition="in" filter="randombar(horizontal)">
-                                      <p:cBhvr>
-                                        <p:cTn id="503" dur="300"/>
-                                        <p:tgtEl>
-                                          <p:spTgt spid="149"/>
-                                        </p:tgtEl>
-                                      </p:cBhvr>
-                                    </p:animEffect>
-                                  </p:childTnLst>
-                                </p:cTn>
-                              </p:par>
-                              <p:par>
-                                <p:cTn id="504" presetID="42" presetClass="path" presetSubtype="0" accel="50000" decel="50000" fill="hold" grpId="1" nodeType="withEffect">
-                                  <p:stCondLst>
-                                    <p:cond delay="600"/>
-                                  </p:stCondLst>
-                                  <p:childTnLst>
                                     <p:animMotion origin="layout" path="M -4.16667E-6 3.7037E-6 L -0.00399 0.22777 " pathEditMode="relative" rAng="0" ptsTypes="AA">
                                       <p:cBhvr>
-                                        <p:cTn id="505" dur="500" fill="hold"/>
+                                        <p:cTn id="489" dur="500" fill="hold"/>
                                         <p:tgtEl>
                                           <p:spTgt spid="149"/>
                                         </p:tgtEl>
@@ -12665,14 +12350,14 @@
                                 </p:cTn>
                               </p:par>
                               <p:par>
-                                <p:cTn id="506" presetID="14" presetClass="entr" presetSubtype="10" fill="hold" grpId="0" nodeType="withEffect">
+                                <p:cTn id="490" presetID="14" presetClass="entr" presetSubtype="10" fill="hold" grpId="0" nodeType="withEffect">
                                   <p:stCondLst>
                                     <p:cond delay="600"/>
                                   </p:stCondLst>
                                   <p:childTnLst>
                                     <p:set>
                                       <p:cBhvr>
-                                        <p:cTn id="507" dur="1" fill="hold">
+                                        <p:cTn id="491" dur="1" fill="hold">
                                           <p:stCondLst>
                                             <p:cond delay="0"/>
                                           </p:stCondLst>
@@ -12690,7 +12375,7 @@
                                     </p:set>
                                     <p:animEffect transition="in" filter="randombar(horizontal)">
                                       <p:cBhvr>
-                                        <p:cTn id="508" dur="300"/>
+                                        <p:cTn id="492" dur="300"/>
                                         <p:tgtEl>
                                           <p:spTgt spid="150"/>
                                         </p:tgtEl>
@@ -12700,14 +12385,14 @@
                                 </p:cTn>
                               </p:par>
                               <p:par>
-                                <p:cTn id="509" presetID="42" presetClass="path" presetSubtype="0" accel="50000" decel="50000" fill="hold" grpId="1" nodeType="withEffect">
+                                <p:cTn id="493" presetID="42" presetClass="path" presetSubtype="0" accel="50000" decel="50000" fill="hold" grpId="1" nodeType="withEffect">
                                   <p:stCondLst>
                                     <p:cond delay="600"/>
                                   </p:stCondLst>
                                   <p:childTnLst>
                                     <p:animMotion origin="layout" path="M -4.16667E-6 3.7037E-6 L -0.00399 -0.18172 " pathEditMode="relative" rAng="0" ptsTypes="AA">
                                       <p:cBhvr>
-                                        <p:cTn id="510" dur="500" fill="hold"/>
+                                        <p:cTn id="494" dur="500" fill="hold"/>
                                         <p:tgtEl>
                                           <p:spTgt spid="150"/>
                                         </p:tgtEl>
@@ -12722,14 +12407,14 @@
                                 </p:cTn>
                               </p:par>
                               <p:par>
-                                <p:cTn id="511" presetID="22" presetClass="entr" presetSubtype="8" fill="hold" grpId="0" nodeType="withEffect">
+                                <p:cTn id="495" presetID="22" presetClass="entr" presetSubtype="8" fill="hold" grpId="0" nodeType="withEffect">
                                   <p:stCondLst>
                                     <p:cond delay="600"/>
                                   </p:stCondLst>
                                   <p:childTnLst>
                                     <p:set>
                                       <p:cBhvr>
-                                        <p:cTn id="512" dur="1" fill="hold">
+                                        <p:cTn id="496" dur="1" fill="hold">
                                           <p:stCondLst>
                                             <p:cond delay="0"/>
                                           </p:stCondLst>
@@ -12747,7 +12432,7 @@
                                     </p:set>
                                     <p:animEffect transition="in" filter="wipe(left)">
                                       <p:cBhvr>
-                                        <p:cTn id="513" dur="300"/>
+                                        <p:cTn id="497" dur="300"/>
                                         <p:tgtEl>
                                           <p:spTgt spid="140"/>
                                         </p:tgtEl>
@@ -12763,26 +12448,26 @@
                     </p:cTn>
                   </p:par>
                   <p:par>
-                    <p:cTn id="514" fill="hold">
+                    <p:cTn id="498" fill="hold">
                       <p:stCondLst>
                         <p:cond delay="indefinite"/>
                       </p:stCondLst>
                       <p:childTnLst>
                         <p:par>
-                          <p:cTn id="515" fill="hold">
+                          <p:cTn id="499" fill="hold">
                             <p:stCondLst>
                               <p:cond delay="0"/>
                             </p:stCondLst>
                             <p:childTnLst>
                               <p:par>
-                                <p:cTn id="516" presetID="10" presetClass="exit" presetSubtype="0" fill="hold" grpId="2" nodeType="clickEffect">
+                                <p:cTn id="500" presetID="10" presetClass="exit" presetSubtype="0" fill="hold" grpId="2" nodeType="clickEffect">
                                   <p:stCondLst>
                                     <p:cond delay="0"/>
                                   </p:stCondLst>
                                   <p:childTnLst>
                                     <p:animEffect transition="out" filter="fade">
                                       <p:cBhvr>
-                                        <p:cTn id="517" dur="500"/>
+                                        <p:cTn id="501" dur="500"/>
                                         <p:tgtEl>
                                           <p:spTgt spid="33"/>
                                         </p:tgtEl>
@@ -12790,7 +12475,7 @@
                                     </p:animEffect>
                                     <p:set>
                                       <p:cBhvr>
-                                        <p:cTn id="518" dur="1" fill="hold">
+                                        <p:cTn id="502" dur="1" fill="hold">
                                           <p:stCondLst>
                                             <p:cond delay="499"/>
                                           </p:stCondLst>
@@ -12810,14 +12495,14 @@
                                 </p:cTn>
                               </p:par>
                               <p:par>
-                                <p:cTn id="519" presetID="10" presetClass="exit" presetSubtype="0" fill="hold" grpId="1" nodeType="withEffect">
+                                <p:cTn id="503" presetID="10" presetClass="exit" presetSubtype="0" fill="hold" grpId="1" nodeType="withEffect">
                                   <p:stCondLst>
                                     <p:cond delay="0"/>
                                   </p:stCondLst>
                                   <p:childTnLst>
                                     <p:animEffect transition="out" filter="fade">
                                       <p:cBhvr>
-                                        <p:cTn id="520" dur="1000"/>
+                                        <p:cTn id="504" dur="1000"/>
                                         <p:tgtEl>
                                           <p:spTgt spid="140"/>
                                         </p:tgtEl>
@@ -12825,7 +12510,7 @@
                                     </p:animEffect>
                                     <p:set>
                                       <p:cBhvr>
-                                        <p:cTn id="521" dur="1" fill="hold">
+                                        <p:cTn id="505" dur="1" fill="hold">
                                           <p:stCondLst>
                                             <p:cond delay="999"/>
                                           </p:stCondLst>
@@ -12845,14 +12530,14 @@
                                 </p:cTn>
                               </p:par>
                               <p:par>
-                                <p:cTn id="522" presetID="10" presetClass="exit" presetSubtype="0" fill="hold" grpId="1" nodeType="withEffect">
+                                <p:cTn id="506" presetID="10" presetClass="exit" presetSubtype="0" fill="hold" grpId="1" nodeType="withEffect">
                                   <p:stCondLst>
                                     <p:cond delay="0"/>
                                   </p:stCondLst>
                                   <p:childTnLst>
                                     <p:animEffect transition="out" filter="fade">
                                       <p:cBhvr>
-                                        <p:cTn id="523" dur="500"/>
+                                        <p:cTn id="507" dur="500"/>
                                         <p:tgtEl>
                                           <p:spTgt spid="30"/>
                                         </p:tgtEl>
@@ -12860,7 +12545,7 @@
                                     </p:animEffect>
                                     <p:set>
                                       <p:cBhvr>
-                                        <p:cTn id="524" dur="1" fill="hold">
+                                        <p:cTn id="508" dur="1" fill="hold">
                                           <p:stCondLst>
                                             <p:cond delay="499"/>
                                           </p:stCondLst>
@@ -12880,14 +12565,14 @@
                                 </p:cTn>
                               </p:par>
                               <p:par>
-                                <p:cTn id="525" presetID="42" presetClass="path" presetSubtype="0" accel="50000" decel="50000" fill="hold" grpId="2" nodeType="withEffect">
+                                <p:cTn id="509" presetID="42" presetClass="path" presetSubtype="0" accel="50000" decel="50000" fill="hold" grpId="2" nodeType="withEffect">
                                   <p:stCondLst>
                                     <p:cond delay="0"/>
                                   </p:stCondLst>
                                   <p:childTnLst>
                                     <p:animMotion origin="layout" path="M -0.00399 0.22777 L -0.00399 -0.18172 " pathEditMode="relative" rAng="0" ptsTypes="AA">
                                       <p:cBhvr>
-                                        <p:cTn id="526" dur="500" fill="hold"/>
+                                        <p:cTn id="510" dur="500" fill="hold"/>
                                         <p:tgtEl>
                                           <p:spTgt spid="149"/>
                                         </p:tgtEl>
@@ -12902,14 +12587,14 @@
                                 </p:cTn>
                               </p:par>
                               <p:par>
-                                <p:cTn id="527" presetID="42" presetClass="path" presetSubtype="0" accel="50000" decel="50000" fill="hold" grpId="2" nodeType="withEffect">
+                                <p:cTn id="511" presetID="42" presetClass="path" presetSubtype="0" accel="50000" decel="50000" fill="hold" grpId="2" nodeType="withEffect">
                                   <p:stCondLst>
                                     <p:cond delay="0"/>
                                   </p:stCondLst>
                                   <p:childTnLst>
                                     <p:animMotion origin="layout" path="M -0.00399 -0.18172 L -0.00399 0.22777 " pathEditMode="relative" rAng="0" ptsTypes="AA">
                                       <p:cBhvr>
-                                        <p:cTn id="528" dur="500" fill="hold"/>
+                                        <p:cTn id="512" dur="500" fill="hold"/>
                                         <p:tgtEl>
                                           <p:spTgt spid="150"/>
                                         </p:tgtEl>
@@ -12924,14 +12609,14 @@
                                 </p:cTn>
                               </p:par>
                               <p:par>
-                                <p:cTn id="529" presetID="10" presetClass="entr" presetSubtype="0" fill="hold" grpId="0" nodeType="withEffect">
+                                <p:cTn id="513" presetID="10" presetClass="entr" presetSubtype="0" fill="hold" grpId="0" nodeType="withEffect">
                                   <p:stCondLst>
                                     <p:cond delay="0"/>
                                   </p:stCondLst>
                                   <p:childTnLst>
                                     <p:set>
                                       <p:cBhvr>
-                                        <p:cTn id="530" dur="1" fill="hold">
+                                        <p:cTn id="514" dur="1" fill="hold">
                                           <p:stCondLst>
                                             <p:cond delay="0"/>
                                           </p:stCondLst>
@@ -12949,7 +12634,7 @@
                                     </p:set>
                                     <p:animEffect transition="in" filter="fade">
                                       <p:cBhvr>
-                                        <p:cTn id="531" dur="500"/>
+                                        <p:cTn id="515" dur="500"/>
                                         <p:tgtEl>
                                           <p:spTgt spid="80"/>
                                         </p:tgtEl>
@@ -12959,14 +12644,14 @@
                                 </p:cTn>
                               </p:par>
                               <p:par>
-                                <p:cTn id="532" presetID="22" presetClass="entr" presetSubtype="8" fill="hold" grpId="0" nodeType="withEffect">
+                                <p:cTn id="516" presetID="22" presetClass="entr" presetSubtype="8" fill="hold" grpId="0" nodeType="withEffect">
                                   <p:stCondLst>
                                     <p:cond delay="0"/>
                                   </p:stCondLst>
                                   <p:childTnLst>
                                     <p:set>
                                       <p:cBhvr>
-                                        <p:cTn id="533" dur="1" fill="hold">
+                                        <p:cTn id="517" dur="1" fill="hold">
                                           <p:stCondLst>
                                             <p:cond delay="0"/>
                                           </p:stCondLst>
@@ -12984,7 +12669,7 @@
                                     </p:set>
                                     <p:animEffect transition="in" filter="wipe(left)">
                                       <p:cBhvr>
-                                        <p:cTn id="534" dur="300"/>
+                                        <p:cTn id="518" dur="300"/>
                                         <p:tgtEl>
                                           <p:spTgt spid="154"/>
                                         </p:tgtEl>
@@ -13000,26 +12685,26 @@
                     </p:cTn>
                   </p:par>
                   <p:par>
-                    <p:cTn id="535" fill="hold">
+                    <p:cTn id="519" fill="hold">
                       <p:stCondLst>
                         <p:cond delay="indefinite"/>
                       </p:stCondLst>
                       <p:childTnLst>
                         <p:par>
-                          <p:cTn id="536" fill="hold">
+                          <p:cTn id="520" fill="hold">
                             <p:stCondLst>
                               <p:cond delay="0"/>
                             </p:stCondLst>
                             <p:childTnLst>
                               <p:par>
-                                <p:cTn id="537" presetID="10" presetClass="exit" presetSubtype="0" fill="hold" grpId="1" nodeType="clickEffect">
+                                <p:cTn id="521" presetID="10" presetClass="exit" presetSubtype="0" fill="hold" grpId="1" nodeType="clickEffect">
                                   <p:stCondLst>
                                     <p:cond delay="0"/>
                                   </p:stCondLst>
                                   <p:childTnLst>
                                     <p:animEffect transition="out" filter="fade">
                                       <p:cBhvr>
-                                        <p:cTn id="538" dur="500"/>
+                                        <p:cTn id="522" dur="500"/>
                                         <p:tgtEl>
                                           <p:spTgt spid="80"/>
                                         </p:tgtEl>
@@ -13027,7 +12712,7 @@
                                     </p:animEffect>
                                     <p:set>
                                       <p:cBhvr>
-                                        <p:cTn id="539" dur="1" fill="hold">
+                                        <p:cTn id="523" dur="1" fill="hold">
                                           <p:stCondLst>
                                             <p:cond delay="499"/>
                                           </p:stCondLst>
@@ -13047,14 +12732,14 @@
                                 </p:cTn>
                               </p:par>
                               <p:par>
-                                <p:cTn id="540" presetID="10" presetClass="exit" presetSubtype="0" fill="hold" grpId="1" nodeType="withEffect">
+                                <p:cTn id="524" presetID="10" presetClass="exit" presetSubtype="0" fill="hold" grpId="1" nodeType="withEffect">
                                   <p:stCondLst>
                                     <p:cond delay="0"/>
                                   </p:stCondLst>
                                   <p:childTnLst>
                                     <p:animEffect transition="out" filter="fade">
                                       <p:cBhvr>
-                                        <p:cTn id="541" dur="500"/>
+                                        <p:cTn id="525" dur="500"/>
                                         <p:tgtEl>
                                           <p:spTgt spid="154"/>
                                         </p:tgtEl>
@@ -13062,7 +12747,7 @@
                                     </p:animEffect>
                                     <p:set>
                                       <p:cBhvr>
-                                        <p:cTn id="542" dur="1" fill="hold">
+                                        <p:cTn id="526" dur="1" fill="hold">
                                           <p:stCondLst>
                                             <p:cond delay="499"/>
                                           </p:stCondLst>
@@ -13082,14 +12767,14 @@
                                 </p:cTn>
                               </p:par>
                               <p:par>
-                                <p:cTn id="543" presetID="42" presetClass="path" presetSubtype="0" accel="50000" decel="50000" fill="hold" grpId="3" nodeType="withEffect">
+                                <p:cTn id="527" presetID="42" presetClass="path" presetSubtype="0" accel="50000" decel="50000" fill="hold" grpId="3" nodeType="withEffect">
                                   <p:stCondLst>
                                     <p:cond delay="0"/>
                                   </p:stCondLst>
                                   <p:childTnLst>
                                     <p:animMotion origin="layout" path="M -0.00399 0.22777 L -0.00399 -0.00324 " pathEditMode="relative" rAng="0" ptsTypes="AA">
                                       <p:cBhvr>
-                                        <p:cTn id="544" dur="500" fill="hold"/>
+                                        <p:cTn id="528" dur="500" fill="hold"/>
                                         <p:tgtEl>
                                           <p:spTgt spid="149"/>
                                         </p:tgtEl>
@@ -13104,14 +12789,14 @@
                                 </p:cTn>
                               </p:par>
                               <p:par>
-                                <p:cTn id="545" presetID="42" presetClass="path" presetSubtype="0" accel="50000" decel="50000" fill="hold" grpId="3" nodeType="withEffect">
+                                <p:cTn id="529" presetID="42" presetClass="path" presetSubtype="0" accel="50000" decel="50000" fill="hold" grpId="3" nodeType="withEffect">
                                   <p:stCondLst>
                                     <p:cond delay="0"/>
                                   </p:stCondLst>
                                   <p:childTnLst>
                                     <p:animMotion origin="layout" path="M -0.00399 -0.18172 L -0.00399 0.00717 " pathEditMode="relative" rAng="0" ptsTypes="AA">
                                       <p:cBhvr>
-                                        <p:cTn id="546" dur="500" fill="hold"/>
+                                        <p:cTn id="530" dur="500" fill="hold"/>
                                         <p:tgtEl>
                                           <p:spTgt spid="150"/>
                                         </p:tgtEl>
@@ -13126,14 +12811,14 @@
                                 </p:cTn>
                               </p:par>
                               <p:par>
-                                <p:cTn id="547" presetID="10" presetClass="exit" presetSubtype="0" fill="hold" grpId="4" nodeType="withEffect">
+                                <p:cTn id="531" presetID="10" presetClass="exit" presetSubtype="0" fill="hold" grpId="4" nodeType="withEffect">
                                   <p:stCondLst>
                                     <p:cond delay="0"/>
                                   </p:stCondLst>
                                   <p:childTnLst>
                                     <p:animEffect transition="out" filter="fade">
                                       <p:cBhvr>
-                                        <p:cTn id="548" dur="500"/>
+                                        <p:cTn id="532" dur="500"/>
                                         <p:tgtEl>
                                           <p:spTgt spid="149"/>
                                         </p:tgtEl>
@@ -13141,7 +12826,7 @@
                                     </p:animEffect>
                                     <p:set>
                                       <p:cBhvr>
-                                        <p:cTn id="549" dur="1" fill="hold">
+                                        <p:cTn id="533" dur="1" fill="hold">
                                           <p:stCondLst>
                                             <p:cond delay="499"/>
                                           </p:stCondLst>
@@ -13161,14 +12846,14 @@
                                 </p:cTn>
                               </p:par>
                               <p:par>
-                                <p:cTn id="550" presetID="10" presetClass="exit" presetSubtype="0" fill="hold" grpId="4" nodeType="withEffect">
+                                <p:cTn id="534" presetID="10" presetClass="exit" presetSubtype="0" fill="hold" grpId="4" nodeType="withEffect">
                                   <p:stCondLst>
                                     <p:cond delay="0"/>
                                   </p:stCondLst>
                                   <p:childTnLst>
                                     <p:animEffect transition="out" filter="fade">
                                       <p:cBhvr>
-                                        <p:cTn id="551" dur="500"/>
+                                        <p:cTn id="535" dur="500"/>
                                         <p:tgtEl>
                                           <p:spTgt spid="150"/>
                                         </p:tgtEl>
@@ -13176,7 +12861,7 @@
                                     </p:animEffect>
                                     <p:set>
                                       <p:cBhvr>
-                                        <p:cTn id="552" dur="1" fill="hold">
+                                        <p:cTn id="536" dur="1" fill="hold">
                                           <p:stCondLst>
                                             <p:cond delay="499"/>
                                           </p:stCondLst>
@@ -13355,12 +13040,6 @@
       <p:bldP spid="123" grpId="1" animBg="1"/>
       <p:bldP spid="123" grpId="2" animBg="1"/>
       <p:bldP spid="123" grpId="3" animBg="1"/>
-      <p:bldP spid="126" grpId="0"/>
-      <p:bldP spid="126" grpId="1"/>
-      <p:bldP spid="127" grpId="0" animBg="1"/>
-      <p:bldP spid="127" grpId="1" animBg="1"/>
-      <p:bldP spid="127" grpId="2" animBg="1"/>
-      <p:bldP spid="127" grpId="3" animBg="1"/>
       <p:bldP spid="130" grpId="0"/>
       <p:bldP spid="130" grpId="1"/>
       <p:bldP spid="132" grpId="0"/>
@@ -14209,7 +13888,7 @@
         <p:spPr>
           <a:xfrm>
             <a:off x="539552" y="6785484"/>
-            <a:ext cx="8352928" cy="3693319"/>
+            <a:ext cx="8352928" cy="3139321"/>
           </a:xfrm>
           <a:prstGeom prst="rect">
             <a:avLst/>
@@ -14256,18 +13935,6 @@
             <a:r>
               <a:rPr lang="ko-KR" altLang="en-US" dirty="0" err="1"/>
               <a:t>최민혁</a:t>
-            </a:r>
-            <a:endParaRPr lang="en-US" altLang="ko-KR" dirty="0"/>
-          </a:p>
-          <a:p>
-            <a:pPr algn="ctr" fontAlgn="base" latinLnBrk="0"/>
-            <a:endParaRPr lang="en-US" altLang="ko-KR" dirty="0"/>
-          </a:p>
-          <a:p>
-            <a:pPr algn="ctr" fontAlgn="base" latinLnBrk="0"/>
-            <a:r>
-              <a:rPr lang="ko-KR" altLang="en-US" dirty="0"/>
-              <a:t>창준</a:t>
             </a:r>
             <a:endParaRPr lang="en-US" altLang="ko-KR" dirty="0"/>
           </a:p>
